--- a/Livrable1/Présentationpfr final.pptx
+++ b/Livrable1/Présentationpfr final.pptx
@@ -11,9 +11,9 @@
     <p:sldId id="267" r:id="rId2"/>
     <p:sldId id="268" r:id="rId3"/>
     <p:sldId id="258" r:id="rId4"/>
-    <p:sldId id="259" r:id="rId5"/>
-    <p:sldId id="260" r:id="rId6"/>
-    <p:sldId id="270" r:id="rId7"/>
+    <p:sldId id="270" r:id="rId5"/>
+    <p:sldId id="259" r:id="rId6"/>
+    <p:sldId id="260" r:id="rId7"/>
     <p:sldId id="261" r:id="rId8"/>
     <p:sldId id="262" r:id="rId9"/>
     <p:sldId id="263" r:id="rId10"/>
@@ -214,7 +214,7 @@
           <a:p>
             <a:fld id="{BF1E4C38-38C3-4C47-B9B7-EF45359A68DE}" type="datetimeFigureOut">
               <a:rPr lang="fr-FR" smtClean="0"/>
-              <a:t>08/04/2019</a:t>
+              <a:t>10/04/2019</a:t>
             </a:fld>
             <a:endParaRPr lang="fr-FR"/>
           </a:p>
@@ -1384,7 +1384,7 @@
           <a:p>
             <a:fld id="{638941B0-F4D5-4460-BCAD-F7E2B41A8257}" type="datetimeFigureOut">
               <a:rPr lang="de-DE" smtClean="0"/>
-              <a:t>08.04.2019</a:t>
+              <a:t>10.04.2019</a:t>
             </a:fld>
             <a:endParaRPr lang="de-DE"/>
           </a:p>
@@ -2443,7 +2443,7 @@
                 </a:solidFill>
                 <a:latin typeface="Calibri"/>
               </a:rPr>
-              <a:t>08/04/2019</a:t>
+              <a:t>10/04/2019</a:t>
             </a:fld>
             <a:endParaRPr lang="fr-FR" sz="1200" b="0" strike="noStrike" spc="-1">
               <a:latin typeface="Times New Roman"/>
@@ -5224,7 +5224,7 @@
                 </a:spcAft>
               </a:pPr>
               <a:r>
-                <a:rPr lang="fr-FR" sz="3000" b="0" strike="noStrike" spc="-1">
+                <a:rPr lang="fr-FR" sz="3000" b="0" strike="noStrike" spc="-1" dirty="0">
                   <a:solidFill>
                     <a:srgbClr val="FFFFFF"/>
                   </a:solidFill>
@@ -5232,7 +5232,7 @@
                 </a:rPr>
                 <a:t>EXTERNE</a:t>
               </a:r>
-              <a:endParaRPr lang="fr-FR" sz="3000" b="0" strike="noStrike" spc="-1">
+              <a:endParaRPr lang="fr-FR" sz="3000" b="0" strike="noStrike" spc="-1" dirty="0">
                 <a:latin typeface="Arial"/>
               </a:endParaRPr>
             </a:p>
@@ -5619,10 +5619,10 @@
         </p:nvGrpSpPr>
         <p:grpSpPr>
           <a:xfrm>
-            <a:off x="1010682" y="1793354"/>
-            <a:ext cx="3667680" cy="4114412"/>
-            <a:chOff x="229447" y="1708559"/>
-            <a:chExt cx="3667680" cy="4114412"/>
+            <a:off x="697584" y="1793354"/>
+            <a:ext cx="3980778" cy="4114412"/>
+            <a:chOff x="-83651" y="1708559"/>
+            <a:chExt cx="3980778" cy="4114412"/>
           </a:xfrm>
         </p:grpSpPr>
         <p:sp>
@@ -6042,7 +6042,7 @@
           </p:nvSpPr>
           <p:spPr>
             <a:xfrm>
-              <a:off x="1657567" y="2408221"/>
+              <a:off x="1657567" y="2417648"/>
               <a:ext cx="1668960" cy="486390"/>
             </a:xfrm>
             <a:prstGeom prst="rect">
@@ -6098,16 +6098,7 @@
                   </a:solidFill>
                   <a:latin typeface="Calibri"/>
                 </a:rPr>
-                <a:t>Ecart de </a:t>
-              </a:r>
-              <a:r>
-                <a:rPr lang="fr-FR" sz="1900" b="0" strike="noStrike" spc="-1" dirty="0" err="1">
-                  <a:solidFill>
-                    <a:srgbClr val="FFFFFF"/>
-                  </a:solidFill>
-                  <a:latin typeface="Calibri"/>
-                </a:rPr>
-                <a:t>delai</a:t>
+                <a:t>Ecart de délai</a:t>
               </a:r>
               <a:endParaRPr lang="fr-FR" sz="1900" b="0" strike="noStrike" spc="-1" dirty="0">
                 <a:latin typeface="Arial"/>
@@ -6260,7 +6251,7 @@
                   </a:solidFill>
                   <a:latin typeface="Calibri"/>
                 </a:rPr>
-                <a:t>Cout actuel du projet</a:t>
+                <a:t>Coût actuel du projet</a:t>
               </a:r>
               <a:endParaRPr lang="fr-FR" sz="1900" b="0" strike="noStrike" spc="-1" dirty="0">
                 <a:latin typeface="Arial"/>
@@ -6338,7 +6329,7 @@
                   </a:solidFill>
                   <a:latin typeface="Calibri"/>
                 </a:rPr>
-                <a:t>Taux des coût non planifiées</a:t>
+                <a:t>Taux des coûts non planifiés</a:t>
               </a:r>
               <a:endParaRPr lang="fr-FR" sz="1900" b="0" strike="noStrike" spc="-1" dirty="0">
                 <a:latin typeface="Arial"/>
@@ -6485,8 +6476,8 @@
           </p:nvSpPr>
           <p:spPr>
             <a:xfrm rot="16200000">
-              <a:off x="-1018703" y="3084654"/>
-              <a:ext cx="2974380" cy="478080"/>
+              <a:off x="-1539699" y="3292551"/>
+              <a:ext cx="3703273" cy="791178"/>
             </a:xfrm>
             <a:prstGeom prst="rect">
               <a:avLst/>
@@ -6541,7 +6532,7 @@
                   </a:solidFill>
                   <a:latin typeface="Calibri"/>
                 </a:rPr>
-                <a:t>Indicateur de suivi</a:t>
+                <a:t>Indicateurs de suivi</a:t>
               </a:r>
               <a:endParaRPr lang="fr-FR" sz="3000" b="0" strike="noStrike" spc="-1" dirty="0">
                 <a:latin typeface="Arial"/>
@@ -6564,10 +6555,10 @@
         </p:nvGrpSpPr>
         <p:grpSpPr>
           <a:xfrm>
-            <a:off x="6739506" y="2160108"/>
-            <a:ext cx="3667680" cy="3464463"/>
-            <a:chOff x="229447" y="1836503"/>
-            <a:chExt cx="3667680" cy="3464463"/>
+            <a:off x="6316148" y="2160108"/>
+            <a:ext cx="4091038" cy="3464463"/>
+            <a:chOff x="-193911" y="1836503"/>
+            <a:chExt cx="4091038" cy="3464463"/>
           </a:xfrm>
         </p:grpSpPr>
         <p:sp>
@@ -6844,8 +6835,8 @@
           </p:nvSpPr>
           <p:spPr>
             <a:xfrm rot="16200000">
-              <a:off x="-1263745" y="3329695"/>
-              <a:ext cx="3464463" cy="478080"/>
+              <a:off x="-1475424" y="3118016"/>
+              <a:ext cx="3464463" cy="901438"/>
             </a:xfrm>
             <a:prstGeom prst="rect">
               <a:avLst/>
@@ -6900,7 +6891,7 @@
                   </a:solidFill>
                   <a:latin typeface="Calibri"/>
                 </a:rPr>
-                <a:t>Indicateur de réussite</a:t>
+                <a:t>Indicateurs de réussite</a:t>
               </a:r>
               <a:endParaRPr lang="fr-FR" sz="3000" b="0" strike="noStrike" spc="-1" dirty="0">
                 <a:latin typeface="Arial"/>
@@ -7443,7 +7434,7 @@
         <p:spPr>
           <a:xfrm>
             <a:off x="365124" y="1099255"/>
-            <a:ext cx="7673975" cy="3046988"/>
+            <a:ext cx="7673975" cy="2739211"/>
           </a:xfrm>
           <a:prstGeom prst="rect">
             <a:avLst/>
@@ -7455,25 +7446,6 @@
             <a:spAutoFit/>
           </a:bodyPr>
           <a:lstStyle/>
-          <a:p>
-            <a:r>
-              <a:rPr lang="fr-FR" sz="2000" b="1" dirty="0">
-                <a:solidFill>
-                  <a:srgbClr val="C84B1B"/>
-                </a:solidFill>
-                <a:latin typeface="Calibri" panose="020F0502020204030204" pitchFamily="34" charset="0"/>
-                <a:cs typeface="Calibri" panose="020F0502020204030204" pitchFamily="34" charset="0"/>
-              </a:rPr>
-              <a:t>I/  Analyse des risques, un enjeu primordial</a:t>
-            </a:r>
-            <a:endParaRPr lang="fr-FR" sz="2000" dirty="0">
-              <a:solidFill>
-                <a:srgbClr val="000000"/>
-              </a:solidFill>
-              <a:latin typeface="Calibri" panose="020F0502020204030204" pitchFamily="34" charset="0"/>
-              <a:cs typeface="Calibri" panose="020F0502020204030204" pitchFamily="34" charset="0"/>
-            </a:endParaRPr>
-          </a:p>
           <a:p>
             <a:endParaRPr lang="fr-FR" sz="2000" dirty="0">
               <a:solidFill>
@@ -11570,7 +11542,7 @@
                   <a:srgbClr val="000000"/>
                 </a:solidFill>
               </a:rPr>
-              <a:t>2) Objectifs</a:t>
+              <a:t>2) Organigramme</a:t>
             </a:r>
           </a:p>
           <a:p>
@@ -11580,7 +11552,7 @@
                   <a:srgbClr val="000000"/>
                 </a:solidFill>
               </a:rPr>
-              <a:t>3) Besoins</a:t>
+              <a:t>3) Objectifs</a:t>
             </a:r>
           </a:p>
           <a:p>
@@ -11590,7 +11562,7 @@
                   <a:srgbClr val="000000"/>
                 </a:solidFill>
               </a:rPr>
-              <a:t>4) Organigramme</a:t>
+              <a:t>4) Besoins</a:t>
             </a:r>
           </a:p>
           <a:p>
@@ -13704,1258 +13676,6 @@
       </p:grpSpPr>
       <p:pic>
         <p:nvPicPr>
-          <p:cNvPr id="66" name="Picture 2"/>
-          <p:cNvPicPr/>
-          <p:nvPr/>
-        </p:nvPicPr>
-        <p:blipFill>
-          <a:blip r:embed="rId2"/>
-          <a:stretch/>
-        </p:blipFill>
-        <p:spPr>
-          <a:xfrm>
-            <a:off x="1440" y="-577080"/>
-            <a:ext cx="12189960" cy="7551360"/>
-          </a:xfrm>
-          <a:prstGeom prst="rect">
-            <a:avLst/>
-          </a:prstGeom>
-          <a:ln>
-            <a:noFill/>
-          </a:ln>
-        </p:spPr>
-      </p:pic>
-      <p:sp>
-        <p:nvSpPr>
-          <p:cNvPr id="67" name="CustomShape 1"/>
-          <p:cNvSpPr/>
-          <p:nvPr/>
-        </p:nvSpPr>
-        <p:spPr>
-          <a:xfrm>
-            <a:off x="80280" y="209880"/>
-            <a:ext cx="6515280" cy="516960"/>
-          </a:xfrm>
-          <a:prstGeom prst="rect">
-            <a:avLst/>
-          </a:prstGeom>
-          <a:noFill/>
-          <a:ln>
-            <a:noFill/>
-          </a:ln>
-        </p:spPr>
-        <p:style>
-          <a:lnRef idx="0">
-            <a:scrgbClr r="0" g="0" b="0"/>
-          </a:lnRef>
-          <a:fillRef idx="0">
-            <a:scrgbClr r="0" g="0" b="0"/>
-          </a:fillRef>
-          <a:effectRef idx="0">
-            <a:scrgbClr r="0" g="0" b="0"/>
-          </a:effectRef>
-          <a:fontRef idx="minor"/>
-        </p:style>
-        <p:txBody>
-          <a:bodyPr lIns="90000" tIns="45000" rIns="90000" bIns="45000"/>
-          <a:lstStyle/>
-          <a:p>
-            <a:pPr>
-              <a:lnSpc>
-                <a:spcPct val="100000"/>
-              </a:lnSpc>
-            </a:pPr>
-            <a:r>
-              <a:rPr lang="fr-FR" sz="2800" b="1" strike="noStrike" spc="-1" dirty="0">
-                <a:solidFill>
-                  <a:srgbClr val="FFFFFF"/>
-                </a:solidFill>
-                <a:latin typeface="Calibri"/>
-              </a:rPr>
-              <a:t>2) Objectifs</a:t>
-            </a:r>
-            <a:endParaRPr lang="fr-FR" sz="2800" b="0" strike="noStrike" spc="-1" dirty="0">
-              <a:latin typeface="Arial"/>
-            </a:endParaRPr>
-          </a:p>
-        </p:txBody>
-      </p:sp>
-      <p:grpSp>
-        <p:nvGrpSpPr>
-          <p:cNvPr id="68" name="Group 2"/>
-          <p:cNvGrpSpPr/>
-          <p:nvPr/>
-        </p:nvGrpSpPr>
-        <p:grpSpPr>
-          <a:xfrm>
-            <a:off x="1913641" y="1278822"/>
-            <a:ext cx="8237399" cy="5266611"/>
-            <a:chOff x="1913521" y="1142113"/>
-            <a:chExt cx="8237399" cy="5418360"/>
-          </a:xfrm>
-        </p:grpSpPr>
-        <p:sp>
-          <p:nvSpPr>
-            <p:cNvPr id="69" name="CustomShape 3"/>
-            <p:cNvSpPr/>
-            <p:nvPr/>
-          </p:nvSpPr>
-          <p:spPr>
-            <a:xfrm>
-              <a:off x="2641680" y="1142113"/>
-              <a:ext cx="6908400" cy="5418360"/>
-            </a:xfrm>
-            <a:prstGeom prst="rightArrow">
-              <a:avLst>
-                <a:gd name="adj1" fmla="val 50000"/>
-                <a:gd name="adj2" fmla="val 50000"/>
-              </a:avLst>
-            </a:prstGeom>
-            <a:solidFill>
-              <a:schemeClr val="accent2"/>
-            </a:solidFill>
-            <a:ln>
-              <a:noFill/>
-            </a:ln>
-          </p:spPr>
-          <p:style>
-            <a:lnRef idx="0">
-              <a:scrgbClr r="0" g="0" b="0"/>
-            </a:lnRef>
-            <a:fillRef idx="0">
-              <a:scrgbClr r="0" g="0" b="0"/>
-            </a:fillRef>
-            <a:effectRef idx="0">
-              <a:scrgbClr r="0" g="0" b="0"/>
-            </a:effectRef>
-            <a:fontRef idx="minor"/>
-          </p:style>
-        </p:sp>
-        <p:sp>
-          <p:nvSpPr>
-            <p:cNvPr id="70" name="CustomShape 4"/>
-            <p:cNvSpPr/>
-            <p:nvPr/>
-          </p:nvSpPr>
-          <p:spPr>
-            <a:xfrm>
-              <a:off x="1913521" y="2767513"/>
-              <a:ext cx="2743079" cy="2167200"/>
-            </a:xfrm>
-            <a:prstGeom prst="roundRect">
-              <a:avLst>
-                <a:gd name="adj" fmla="val 16667"/>
-              </a:avLst>
-            </a:prstGeom>
-            <a:solidFill>
-              <a:schemeClr val="tx1"/>
-            </a:solidFill>
-            <a:ln>
-              <a:solidFill>
-                <a:schemeClr val="lt1">
-                  <a:hueOff val="0"/>
-                  <a:satOff val="0"/>
-                  <a:lumOff val="0"/>
-                  <a:alphaOff val="0"/>
-                </a:schemeClr>
-              </a:solidFill>
-            </a:ln>
-          </p:spPr>
-          <p:style>
-            <a:lnRef idx="2">
-              <a:scrgbClr r="0" g="0" b="0"/>
-            </a:lnRef>
-            <a:fillRef idx="0">
-              <a:scrgbClr r="0" g="0" b="0"/>
-            </a:fillRef>
-            <a:effectRef idx="0">
-              <a:scrgbClr r="0" g="0" b="0"/>
-            </a:effectRef>
-            <a:fontRef idx="minor"/>
-          </p:style>
-          <p:txBody>
-            <a:bodyPr lIns="216360" tIns="216360" rIns="110520" bIns="216360" anchor="ctr"/>
-            <a:lstStyle/>
-            <a:p>
-              <a:pPr algn="ctr">
-                <a:lnSpc>
-                  <a:spcPct val="90000"/>
-                </a:lnSpc>
-                <a:spcAft>
-                  <a:spcPts val="1015"/>
-                </a:spcAft>
-              </a:pPr>
-              <a:r>
-                <a:rPr lang="fr-FR" sz="2900" b="0" strike="noStrike" spc="-1" dirty="0">
-                  <a:solidFill>
-                    <a:srgbClr val="FFFFFF"/>
-                  </a:solidFill>
-                  <a:latin typeface="Calibri"/>
-                </a:rPr>
-                <a:t>Augmentation du CA</a:t>
-              </a:r>
-              <a:endParaRPr lang="fr-FR" sz="2900" b="0" strike="noStrike" spc="-1" dirty="0">
-                <a:latin typeface="Arial"/>
-              </a:endParaRPr>
-            </a:p>
-          </p:txBody>
-        </p:sp>
-        <p:sp>
-          <p:nvSpPr>
-            <p:cNvPr id="71" name="CustomShape 5"/>
-            <p:cNvSpPr/>
-            <p:nvPr/>
-          </p:nvSpPr>
-          <p:spPr>
-            <a:xfrm>
-              <a:off x="4788000" y="2767513"/>
-              <a:ext cx="2615760" cy="2167200"/>
-            </a:xfrm>
-            <a:prstGeom prst="roundRect">
-              <a:avLst>
-                <a:gd name="adj" fmla="val 16667"/>
-              </a:avLst>
-            </a:prstGeom>
-            <a:solidFill>
-              <a:schemeClr val="tx1"/>
-            </a:solidFill>
-            <a:ln>
-              <a:solidFill>
-                <a:schemeClr val="lt1">
-                  <a:hueOff val="0"/>
-                  <a:satOff val="0"/>
-                  <a:lumOff val="0"/>
-                  <a:alphaOff val="0"/>
-                </a:schemeClr>
-              </a:solidFill>
-            </a:ln>
-          </p:spPr>
-          <p:style>
-            <a:lnRef idx="2">
-              <a:scrgbClr r="0" g="0" b="0"/>
-            </a:lnRef>
-            <a:fillRef idx="0">
-              <a:scrgbClr r="0" g="0" b="0"/>
-            </a:fillRef>
-            <a:effectRef idx="0">
-              <a:scrgbClr r="0" g="0" b="0"/>
-            </a:effectRef>
-            <a:fontRef idx="minor"/>
-          </p:style>
-          <p:txBody>
-            <a:bodyPr lIns="216360" tIns="216360" rIns="110520" bIns="216360" anchor="ctr"/>
-            <a:lstStyle/>
-            <a:p>
-              <a:pPr algn="ctr">
-                <a:lnSpc>
-                  <a:spcPct val="90000"/>
-                </a:lnSpc>
-                <a:spcAft>
-                  <a:spcPts val="1015"/>
-                </a:spcAft>
-              </a:pPr>
-              <a:r>
-                <a:rPr lang="fr-FR" sz="2900" b="0" strike="noStrike" spc="-1" dirty="0">
-                  <a:solidFill>
-                    <a:srgbClr val="FFFFFF"/>
-                  </a:solidFill>
-                  <a:latin typeface="Calibri"/>
-                </a:rPr>
-                <a:t>Gagner des parts de marché sur les concurrents</a:t>
-              </a:r>
-              <a:endParaRPr lang="fr-FR" sz="2900" b="0" strike="noStrike" spc="-1" dirty="0">
-                <a:latin typeface="Arial"/>
-              </a:endParaRPr>
-            </a:p>
-          </p:txBody>
-        </p:sp>
-        <p:sp>
-          <p:nvSpPr>
-            <p:cNvPr id="72" name="CustomShape 6"/>
-            <p:cNvSpPr/>
-            <p:nvPr/>
-          </p:nvSpPr>
-          <p:spPr>
-            <a:xfrm>
-              <a:off x="7535160" y="2767513"/>
-              <a:ext cx="2615760" cy="2167200"/>
-            </a:xfrm>
-            <a:prstGeom prst="roundRect">
-              <a:avLst>
-                <a:gd name="adj" fmla="val 16667"/>
-              </a:avLst>
-            </a:prstGeom>
-            <a:solidFill>
-              <a:schemeClr val="tx1"/>
-            </a:solidFill>
-            <a:ln>
-              <a:solidFill>
-                <a:schemeClr val="lt1">
-                  <a:hueOff val="0"/>
-                  <a:satOff val="0"/>
-                  <a:lumOff val="0"/>
-                  <a:alphaOff val="0"/>
-                </a:schemeClr>
-              </a:solidFill>
-            </a:ln>
-          </p:spPr>
-          <p:style>
-            <a:lnRef idx="2">
-              <a:scrgbClr r="0" g="0" b="0"/>
-            </a:lnRef>
-            <a:fillRef idx="0">
-              <a:scrgbClr r="0" g="0" b="0"/>
-            </a:fillRef>
-            <a:effectRef idx="0">
-              <a:scrgbClr r="0" g="0" b="0"/>
-            </a:effectRef>
-            <a:fontRef idx="minor"/>
-          </p:style>
-          <p:txBody>
-            <a:bodyPr lIns="216360" tIns="216360" rIns="110520" bIns="216360" anchor="ctr"/>
-            <a:lstStyle/>
-            <a:p>
-              <a:pPr algn="ctr">
-                <a:lnSpc>
-                  <a:spcPct val="90000"/>
-                </a:lnSpc>
-                <a:spcAft>
-                  <a:spcPts val="1015"/>
-                </a:spcAft>
-              </a:pPr>
-              <a:r>
-                <a:rPr lang="fr-FR" sz="2900" b="0" strike="noStrike" spc="-1">
-                  <a:solidFill>
-                    <a:srgbClr val="FFFFFF"/>
-                  </a:solidFill>
-                  <a:latin typeface="Calibri"/>
-                </a:rPr>
-                <a:t>Augmenter sa notoriété</a:t>
-              </a:r>
-              <a:endParaRPr lang="fr-FR" sz="2900" b="0" strike="noStrike" spc="-1">
-                <a:latin typeface="Arial"/>
-              </a:endParaRPr>
-            </a:p>
-          </p:txBody>
-        </p:sp>
-      </p:grpSp>
-      <p:grpSp>
-        <p:nvGrpSpPr>
-          <p:cNvPr id="73" name="Group 7"/>
-          <p:cNvGrpSpPr/>
-          <p:nvPr/>
-        </p:nvGrpSpPr>
-        <p:grpSpPr>
-          <a:xfrm>
-            <a:off x="0" y="0"/>
-            <a:ext cx="36000" cy="36000"/>
-            <a:chOff x="0" y="0"/>
-            <a:chExt cx="36000" cy="36000"/>
-          </a:xfrm>
-        </p:grpSpPr>
-      </p:grpSp>
-      <p:sp>
-        <p:nvSpPr>
-          <p:cNvPr id="12" name="ZoneTexte 11">
-            <a:extLst>
-              <a:ext uri="{FF2B5EF4-FFF2-40B4-BE49-F238E27FC236}">
-                <a16:creationId xmlns:a16="http://schemas.microsoft.com/office/drawing/2014/main" id="{F3A0F140-ED54-41A7-BCB6-4998E2E556BA}"/>
-              </a:ext>
-            </a:extLst>
-          </p:cNvPr>
-          <p:cNvSpPr txBox="1"/>
-          <p:nvPr/>
-        </p:nvSpPr>
-        <p:spPr>
-          <a:xfrm>
-            <a:off x="11092543" y="6393575"/>
-            <a:ext cx="903514" cy="400110"/>
-          </a:xfrm>
-          <a:prstGeom prst="rect">
-            <a:avLst/>
-          </a:prstGeom>
-          <a:noFill/>
-        </p:spPr>
-        <p:txBody>
-          <a:bodyPr wrap="square" rtlCol="0">
-            <a:spAutoFit/>
-          </a:bodyPr>
-          <a:lstStyle/>
-          <a:p>
-            <a:pPr algn="ctr"/>
-            <a:r>
-              <a:rPr lang="fr-FR" sz="2000" b="1" dirty="0"/>
-              <a:t>4/18</a:t>
-            </a:r>
-          </a:p>
-        </p:txBody>
-      </p:sp>
-    </p:spTree>
-  </p:cSld>
-  <p:clrMapOvr>
-    <a:masterClrMapping/>
-  </p:clrMapOvr>
-  <p:transition spd="slow">
-    <p:push dir="u"/>
-  </p:transition>
-  <p:timing>
-    <p:tnLst>
-      <p:par>
-        <p:cTn id="1" dur="indefinite" restart="never" nodeType="tmRoot">
-          <p:childTnLst>
-            <p:seq>
-              <p:cTn id="2" dur="indefinite" nodeType="mainSeq"/>
-              <p:prevCondLst>
-                <p:cond evt="onPrev" delay="0">
-                  <p:tgtEl>
-                    <p:sldTgt/>
-                  </p:tgtEl>
-                </p:cond>
-              </p:prevCondLst>
-              <p:nextCondLst>
-                <p:cond evt="onNext" delay="0">
-                  <p:tgtEl>
-                    <p:sldTgt/>
-                  </p:tgtEl>
-                </p:cond>
-              </p:nextCondLst>
-            </p:seq>
-          </p:childTnLst>
-        </p:cTn>
-      </p:par>
-    </p:tnLst>
-  </p:timing>
-</p:sld>
-</file>
-
-<file path=ppt/slides/slide5.xml><?xml version="1.0" encoding="utf-8"?>
-<p:sld xmlns:a="http://schemas.openxmlformats.org/drawingml/2006/main" xmlns:r="http://schemas.openxmlformats.org/officeDocument/2006/relationships" xmlns:p="http://schemas.openxmlformats.org/presentationml/2006/main">
-  <p:cSld>
-    <p:spTree>
-      <p:nvGrpSpPr>
-        <p:cNvPr id="1" name=""/>
-        <p:cNvGrpSpPr/>
-        <p:nvPr/>
-      </p:nvGrpSpPr>
-      <p:grpSpPr>
-        <a:xfrm>
-          <a:off x="0" y="0"/>
-          <a:ext cx="0" cy="0"/>
-          <a:chOff x="0" y="0"/>
-          <a:chExt cx="0" cy="0"/>
-        </a:xfrm>
-      </p:grpSpPr>
-      <p:pic>
-        <p:nvPicPr>
-          <p:cNvPr id="74" name="Picture 2"/>
-          <p:cNvPicPr/>
-          <p:nvPr/>
-        </p:nvPicPr>
-        <p:blipFill>
-          <a:blip r:embed="rId2"/>
-          <a:stretch/>
-        </p:blipFill>
-        <p:spPr>
-          <a:xfrm>
-            <a:off x="1440" y="-577080"/>
-            <a:ext cx="12189960" cy="7551360"/>
-          </a:xfrm>
-          <a:prstGeom prst="rect">
-            <a:avLst/>
-          </a:prstGeom>
-          <a:ln>
-            <a:noFill/>
-          </a:ln>
-        </p:spPr>
-      </p:pic>
-      <p:sp>
-        <p:nvSpPr>
-          <p:cNvPr id="75" name="CustomShape 1"/>
-          <p:cNvSpPr/>
-          <p:nvPr/>
-        </p:nvSpPr>
-        <p:spPr>
-          <a:xfrm>
-            <a:off x="80280" y="209880"/>
-            <a:ext cx="6515280" cy="516960"/>
-          </a:xfrm>
-          <a:prstGeom prst="rect">
-            <a:avLst/>
-          </a:prstGeom>
-          <a:noFill/>
-          <a:ln>
-            <a:noFill/>
-          </a:ln>
-        </p:spPr>
-        <p:style>
-          <a:lnRef idx="0">
-            <a:scrgbClr r="0" g="0" b="0"/>
-          </a:lnRef>
-          <a:fillRef idx="0">
-            <a:scrgbClr r="0" g="0" b="0"/>
-          </a:fillRef>
-          <a:effectRef idx="0">
-            <a:scrgbClr r="0" g="0" b="0"/>
-          </a:effectRef>
-          <a:fontRef idx="minor"/>
-        </p:style>
-        <p:txBody>
-          <a:bodyPr lIns="90000" tIns="45000" rIns="90000" bIns="45000"/>
-          <a:lstStyle/>
-          <a:p>
-            <a:pPr>
-              <a:lnSpc>
-                <a:spcPct val="100000"/>
-              </a:lnSpc>
-            </a:pPr>
-            <a:r>
-              <a:rPr lang="fr-FR" sz="2800" b="1" strike="noStrike" spc="-1" dirty="0">
-                <a:solidFill>
-                  <a:srgbClr val="FFFFFF"/>
-                </a:solidFill>
-                <a:latin typeface="Calibri"/>
-              </a:rPr>
-              <a:t>3) Besoins</a:t>
-            </a:r>
-            <a:endParaRPr lang="fr-FR" sz="2800" b="0" strike="noStrike" spc="-1" dirty="0">
-              <a:latin typeface="Arial"/>
-            </a:endParaRPr>
-          </a:p>
-        </p:txBody>
-      </p:sp>
-      <p:grpSp>
-        <p:nvGrpSpPr>
-          <p:cNvPr id="76" name="Group 2"/>
-          <p:cNvGrpSpPr/>
-          <p:nvPr/>
-        </p:nvGrpSpPr>
-        <p:grpSpPr>
-          <a:xfrm>
-            <a:off x="3059640" y="1229760"/>
-            <a:ext cx="5841720" cy="5410440"/>
-            <a:chOff x="3059640" y="1229760"/>
-            <a:chExt cx="5841720" cy="5410440"/>
-          </a:xfrm>
-        </p:grpSpPr>
-        <p:sp>
-          <p:nvSpPr>
-            <p:cNvPr id="77" name="CustomShape 3"/>
-            <p:cNvSpPr/>
-            <p:nvPr/>
-          </p:nvSpPr>
-          <p:spPr>
-            <a:xfrm rot="10800000">
-              <a:off x="3496680" y="1230120"/>
-              <a:ext cx="5404680" cy="873000"/>
-            </a:xfrm>
-            <a:prstGeom prst="homePlate">
-              <a:avLst>
-                <a:gd name="adj" fmla="val 50000"/>
-              </a:avLst>
-            </a:prstGeom>
-            <a:solidFill>
-              <a:schemeClr val="accent2">
-                <a:hueOff val="0"/>
-                <a:satOff val="0"/>
-                <a:lumOff val="0"/>
-                <a:alphaOff val="0"/>
-              </a:schemeClr>
-            </a:solidFill>
-            <a:ln>
-              <a:noFill/>
-            </a:ln>
-            <a:scene3d>
-              <a:camera prst="orthographicFront"/>
-              <a:lightRig rig="threePt" dir="t"/>
-            </a:scene3d>
-            <a:sp3d extrusionH="381000" contourW="38100" prstMaterial="matte">
-              <a:contourClr>
-                <a:schemeClr val="lt1"/>
-              </a:contourClr>
-            </a:sp3d>
-          </p:spPr>
-          <p:style>
-            <a:lnRef idx="0">
-              <a:scrgbClr r="0" g="0" b="0"/>
-            </a:lnRef>
-            <a:fillRef idx="0">
-              <a:scrgbClr r="0" g="0" b="0"/>
-            </a:fillRef>
-            <a:effectRef idx="0">
-              <a:scrgbClr r="0" g="0" b="0"/>
-            </a:effectRef>
-            <a:fontRef idx="minor"/>
-          </p:style>
-          <p:txBody>
-            <a:bodyPr rot="10800000" lIns="191880" tIns="102960" rIns="385200" bIns="102960" anchor="ctr"/>
-            <a:lstStyle/>
-            <a:p>
-              <a:pPr algn="ctr">
-                <a:lnSpc>
-                  <a:spcPct val="90000"/>
-                </a:lnSpc>
-                <a:spcAft>
-                  <a:spcPts val="944"/>
-                </a:spcAft>
-              </a:pPr>
-              <a:r>
-                <a:rPr lang="fr-FR" sz="2700" b="0" strike="noStrike" spc="-1">
-                  <a:solidFill>
-                    <a:srgbClr val="FFFFFF"/>
-                  </a:solidFill>
-                  <a:latin typeface="Calibri"/>
-                </a:rPr>
-                <a:t>Application responsive</a:t>
-              </a:r>
-              <a:endParaRPr lang="fr-FR" sz="2700" b="0" strike="noStrike" spc="-1">
-                <a:latin typeface="Arial"/>
-              </a:endParaRPr>
-            </a:p>
-          </p:txBody>
-        </p:sp>
-        <p:sp>
-          <p:nvSpPr>
-            <p:cNvPr id="78" name="CustomShape 4"/>
-            <p:cNvSpPr/>
-            <p:nvPr/>
-          </p:nvSpPr>
-          <p:spPr>
-            <a:xfrm>
-              <a:off x="3059640" y="1229760"/>
-              <a:ext cx="873000" cy="873000"/>
-            </a:xfrm>
-            <a:prstGeom prst="ellipse">
-              <a:avLst/>
-            </a:prstGeom>
-            <a:blipFill rotWithShape="0">
-              <a:blip r:embed="rId3"/>
-              <a:stretch>
-                <a:fillRect/>
-              </a:stretch>
-            </a:blipFill>
-            <a:ln>
-              <a:noFill/>
-            </a:ln>
-            <a:scene3d>
-              <a:camera prst="orthographicFront"/>
-              <a:lightRig rig="threePt" dir="t"/>
-            </a:scene3d>
-            <a:sp3d z="57150" extrusionH="63500" contourW="12700" prstMaterial="matte">
-              <a:contourClr>
-                <a:schemeClr val="lt1"/>
-              </a:contourClr>
-            </a:sp3d>
-          </p:spPr>
-          <p:style>
-            <a:lnRef idx="0">
-              <a:scrgbClr r="0" g="0" b="0"/>
-            </a:lnRef>
-            <a:fillRef idx="0">
-              <a:scrgbClr r="0" g="0" b="0"/>
-            </a:fillRef>
-            <a:effectRef idx="0">
-              <a:scrgbClr r="0" g="0" b="0"/>
-            </a:effectRef>
-            <a:fontRef idx="minor"/>
-          </p:style>
-        </p:sp>
-        <p:sp>
-          <p:nvSpPr>
-            <p:cNvPr id="79" name="CustomShape 5"/>
-            <p:cNvSpPr/>
-            <p:nvPr/>
-          </p:nvSpPr>
-          <p:spPr>
-            <a:xfrm rot="10800000">
-              <a:off x="3496680" y="2364480"/>
-              <a:ext cx="5404680" cy="873000"/>
-            </a:xfrm>
-            <a:prstGeom prst="homePlate">
-              <a:avLst>
-                <a:gd name="adj" fmla="val 50000"/>
-              </a:avLst>
-            </a:prstGeom>
-            <a:solidFill>
-              <a:schemeClr val="accent3">
-                <a:hueOff val="0"/>
-                <a:satOff val="0"/>
-                <a:lumOff val="0"/>
-                <a:alphaOff val="0"/>
-              </a:schemeClr>
-            </a:solidFill>
-            <a:ln>
-              <a:noFill/>
-            </a:ln>
-            <a:scene3d>
-              <a:camera prst="orthographicFront"/>
-              <a:lightRig rig="threePt" dir="t"/>
-            </a:scene3d>
-            <a:sp3d extrusionH="381000" contourW="38100" prstMaterial="matte">
-              <a:contourClr>
-                <a:schemeClr val="lt1"/>
-              </a:contourClr>
-            </a:sp3d>
-          </p:spPr>
-          <p:style>
-            <a:lnRef idx="0">
-              <a:scrgbClr r="0" g="0" b="0"/>
-            </a:lnRef>
-            <a:fillRef idx="0">
-              <a:scrgbClr r="0" g="0" b="0"/>
-            </a:fillRef>
-            <a:effectRef idx="0">
-              <a:scrgbClr r="0" g="0" b="0"/>
-            </a:effectRef>
-            <a:fontRef idx="minor"/>
-          </p:style>
-          <p:txBody>
-            <a:bodyPr rot="10800000" lIns="191880" tIns="102960" rIns="385200" bIns="102960" anchor="ctr"/>
-            <a:lstStyle/>
-            <a:p>
-              <a:pPr algn="ctr">
-                <a:lnSpc>
-                  <a:spcPct val="90000"/>
-                </a:lnSpc>
-                <a:spcAft>
-                  <a:spcPts val="944"/>
-                </a:spcAft>
-              </a:pPr>
-              <a:r>
-                <a:rPr lang="fr-FR" sz="2700" b="0" strike="noStrike" spc="-1">
-                  <a:solidFill>
-                    <a:srgbClr val="FFFFFF"/>
-                  </a:solidFill>
-                  <a:latin typeface="Calibri"/>
-                </a:rPr>
-                <a:t>Lien fournisseur/commercial</a:t>
-              </a:r>
-              <a:endParaRPr lang="fr-FR" sz="2700" b="0" strike="noStrike" spc="-1">
-                <a:latin typeface="Arial"/>
-              </a:endParaRPr>
-            </a:p>
-          </p:txBody>
-        </p:sp>
-        <p:sp>
-          <p:nvSpPr>
-            <p:cNvPr id="80" name="CustomShape 6"/>
-            <p:cNvSpPr/>
-            <p:nvPr/>
-          </p:nvSpPr>
-          <p:spPr>
-            <a:xfrm>
-              <a:off x="3059640" y="2364120"/>
-              <a:ext cx="873000" cy="873000"/>
-            </a:xfrm>
-            <a:prstGeom prst="ellipse">
-              <a:avLst/>
-            </a:prstGeom>
-            <a:blipFill rotWithShape="0">
-              <a:blip r:embed="rId4"/>
-              <a:stretch>
-                <a:fillRect/>
-              </a:stretch>
-            </a:blipFill>
-            <a:ln>
-              <a:noFill/>
-            </a:ln>
-            <a:scene3d>
-              <a:camera prst="orthographicFront"/>
-              <a:lightRig rig="threePt" dir="t"/>
-            </a:scene3d>
-            <a:sp3d z="57150" extrusionH="63500" contourW="12700" prstMaterial="matte">
-              <a:contourClr>
-                <a:schemeClr val="lt1"/>
-              </a:contourClr>
-            </a:sp3d>
-          </p:spPr>
-          <p:style>
-            <a:lnRef idx="0">
-              <a:scrgbClr r="0" g="0" b="0"/>
-            </a:lnRef>
-            <a:fillRef idx="0">
-              <a:scrgbClr r="0" g="0" b="0"/>
-            </a:fillRef>
-            <a:effectRef idx="0">
-              <a:scrgbClr r="0" g="0" b="0"/>
-            </a:effectRef>
-            <a:fontRef idx="minor"/>
-          </p:style>
-        </p:sp>
-        <p:sp>
-          <p:nvSpPr>
-            <p:cNvPr id="81" name="CustomShape 7"/>
-            <p:cNvSpPr/>
-            <p:nvPr/>
-          </p:nvSpPr>
-          <p:spPr>
-            <a:xfrm rot="10800000">
-              <a:off x="3496680" y="3498840"/>
-              <a:ext cx="5404680" cy="873000"/>
-            </a:xfrm>
-            <a:prstGeom prst="homePlate">
-              <a:avLst>
-                <a:gd name="adj" fmla="val 50000"/>
-              </a:avLst>
-            </a:prstGeom>
-            <a:solidFill>
-              <a:schemeClr val="accent4">
-                <a:hueOff val="0"/>
-                <a:satOff val="0"/>
-                <a:lumOff val="0"/>
-                <a:alphaOff val="0"/>
-              </a:schemeClr>
-            </a:solidFill>
-            <a:ln>
-              <a:noFill/>
-            </a:ln>
-            <a:scene3d>
-              <a:camera prst="orthographicFront"/>
-              <a:lightRig rig="threePt" dir="t"/>
-            </a:scene3d>
-            <a:sp3d extrusionH="381000" contourW="38100" prstMaterial="matte">
-              <a:contourClr>
-                <a:schemeClr val="lt1"/>
-              </a:contourClr>
-            </a:sp3d>
-          </p:spPr>
-          <p:style>
-            <a:lnRef idx="0">
-              <a:scrgbClr r="0" g="0" b="0"/>
-            </a:lnRef>
-            <a:fillRef idx="0">
-              <a:scrgbClr r="0" g="0" b="0"/>
-            </a:fillRef>
-            <a:effectRef idx="0">
-              <a:scrgbClr r="0" g="0" b="0"/>
-            </a:effectRef>
-            <a:fontRef idx="minor"/>
-          </p:style>
-          <p:txBody>
-            <a:bodyPr rot="10800000" lIns="191880" tIns="102960" rIns="385200" bIns="102960" anchor="ctr"/>
-            <a:lstStyle/>
-            <a:p>
-              <a:pPr algn="ctr">
-                <a:lnSpc>
-                  <a:spcPct val="90000"/>
-                </a:lnSpc>
-                <a:spcAft>
-                  <a:spcPts val="944"/>
-                </a:spcAft>
-              </a:pPr>
-              <a:r>
-                <a:rPr lang="fr-FR" sz="2700" b="0" strike="noStrike" spc="-1">
-                  <a:solidFill>
-                    <a:srgbClr val="FFFFFF"/>
-                  </a:solidFill>
-                  <a:latin typeface="Calibri"/>
-                </a:rPr>
-                <a:t>Accélérer les délais</a:t>
-              </a:r>
-              <a:endParaRPr lang="fr-FR" sz="2700" b="0" strike="noStrike" spc="-1">
-                <a:latin typeface="Arial"/>
-              </a:endParaRPr>
-            </a:p>
-          </p:txBody>
-        </p:sp>
-        <p:sp>
-          <p:nvSpPr>
-            <p:cNvPr id="82" name="CustomShape 8"/>
-            <p:cNvSpPr/>
-            <p:nvPr/>
-          </p:nvSpPr>
-          <p:spPr>
-            <a:xfrm>
-              <a:off x="3059640" y="3498120"/>
-              <a:ext cx="873000" cy="873000"/>
-            </a:xfrm>
-            <a:prstGeom prst="ellipse">
-              <a:avLst/>
-            </a:prstGeom>
-            <a:blipFill rotWithShape="0">
-              <a:blip r:embed="rId5"/>
-              <a:stretch>
-                <a:fillRect/>
-              </a:stretch>
-            </a:blipFill>
-            <a:ln>
-              <a:noFill/>
-            </a:ln>
-            <a:scene3d>
-              <a:camera prst="orthographicFront"/>
-              <a:lightRig rig="threePt" dir="t"/>
-            </a:scene3d>
-            <a:sp3d z="57150" extrusionH="63500" contourW="12700" prstMaterial="matte">
-              <a:contourClr>
-                <a:schemeClr val="lt1"/>
-              </a:contourClr>
-            </a:sp3d>
-          </p:spPr>
-          <p:style>
-            <a:lnRef idx="0">
-              <a:scrgbClr r="0" g="0" b="0"/>
-            </a:lnRef>
-            <a:fillRef idx="0">
-              <a:scrgbClr r="0" g="0" b="0"/>
-            </a:fillRef>
-            <a:effectRef idx="0">
-              <a:scrgbClr r="0" g="0" b="0"/>
-            </a:effectRef>
-            <a:fontRef idx="minor"/>
-          </p:style>
-        </p:sp>
-        <p:sp>
-          <p:nvSpPr>
-            <p:cNvPr id="83" name="CustomShape 9"/>
-            <p:cNvSpPr/>
-            <p:nvPr/>
-          </p:nvSpPr>
-          <p:spPr>
-            <a:xfrm rot="10800000">
-              <a:off x="3496680" y="4633200"/>
-              <a:ext cx="5404680" cy="873000"/>
-            </a:xfrm>
-            <a:prstGeom prst="homePlate">
-              <a:avLst>
-                <a:gd name="adj" fmla="val 50000"/>
-              </a:avLst>
-            </a:prstGeom>
-            <a:solidFill>
-              <a:schemeClr val="accent5">
-                <a:hueOff val="0"/>
-                <a:satOff val="0"/>
-                <a:lumOff val="0"/>
-                <a:alphaOff val="0"/>
-              </a:schemeClr>
-            </a:solidFill>
-            <a:ln>
-              <a:noFill/>
-            </a:ln>
-            <a:scene3d>
-              <a:camera prst="orthographicFront"/>
-              <a:lightRig rig="threePt" dir="t"/>
-            </a:scene3d>
-            <a:sp3d extrusionH="381000" contourW="38100" prstMaterial="matte">
-              <a:contourClr>
-                <a:schemeClr val="lt1"/>
-              </a:contourClr>
-            </a:sp3d>
-          </p:spPr>
-          <p:style>
-            <a:lnRef idx="0">
-              <a:scrgbClr r="0" g="0" b="0"/>
-            </a:lnRef>
-            <a:fillRef idx="0">
-              <a:scrgbClr r="0" g="0" b="0"/>
-            </a:fillRef>
-            <a:effectRef idx="0">
-              <a:scrgbClr r="0" g="0" b="0"/>
-            </a:effectRef>
-            <a:fontRef idx="minor"/>
-          </p:style>
-          <p:txBody>
-            <a:bodyPr rot="10800000" lIns="191880" tIns="102960" rIns="385200" bIns="102960" anchor="ctr"/>
-            <a:lstStyle/>
-            <a:p>
-              <a:pPr algn="ctr">
-                <a:lnSpc>
-                  <a:spcPct val="90000"/>
-                </a:lnSpc>
-                <a:spcAft>
-                  <a:spcPts val="944"/>
-                </a:spcAft>
-              </a:pPr>
-              <a:r>
-                <a:rPr lang="fr-FR" sz="2700" b="0" strike="noStrike" spc="-1">
-                  <a:solidFill>
-                    <a:srgbClr val="FFFFFF"/>
-                  </a:solidFill>
-                  <a:latin typeface="Calibri"/>
-                </a:rPr>
-                <a:t>Conception de devis</a:t>
-              </a:r>
-              <a:endParaRPr lang="fr-FR" sz="2700" b="0" strike="noStrike" spc="-1">
-                <a:latin typeface="Arial"/>
-              </a:endParaRPr>
-            </a:p>
-          </p:txBody>
-        </p:sp>
-        <p:sp>
-          <p:nvSpPr>
-            <p:cNvPr id="84" name="CustomShape 10"/>
-            <p:cNvSpPr/>
-            <p:nvPr/>
-          </p:nvSpPr>
-          <p:spPr>
-            <a:xfrm>
-              <a:off x="3059640" y="4632480"/>
-              <a:ext cx="873000" cy="873000"/>
-            </a:xfrm>
-            <a:prstGeom prst="ellipse">
-              <a:avLst/>
-            </a:prstGeom>
-            <a:blipFill rotWithShape="0">
-              <a:blip r:embed="rId6"/>
-              <a:stretch>
-                <a:fillRect/>
-              </a:stretch>
-            </a:blipFill>
-            <a:ln>
-              <a:noFill/>
-            </a:ln>
-            <a:scene3d>
-              <a:camera prst="orthographicFront"/>
-              <a:lightRig rig="threePt" dir="t"/>
-            </a:scene3d>
-            <a:sp3d z="57150" extrusionH="63500" contourW="12700" prstMaterial="matte">
-              <a:contourClr>
-                <a:schemeClr val="lt1"/>
-              </a:contourClr>
-            </a:sp3d>
-          </p:spPr>
-          <p:style>
-            <a:lnRef idx="0">
-              <a:scrgbClr r="0" g="0" b="0"/>
-            </a:lnRef>
-            <a:fillRef idx="0">
-              <a:scrgbClr r="0" g="0" b="0"/>
-            </a:fillRef>
-            <a:effectRef idx="0">
-              <a:scrgbClr r="0" g="0" b="0"/>
-            </a:effectRef>
-            <a:fontRef idx="minor"/>
-          </p:style>
-        </p:sp>
-        <p:sp>
-          <p:nvSpPr>
-            <p:cNvPr id="85" name="CustomShape 11"/>
-            <p:cNvSpPr/>
-            <p:nvPr/>
-          </p:nvSpPr>
-          <p:spPr>
-            <a:xfrm rot="10800000">
-              <a:off x="3496680" y="5767200"/>
-              <a:ext cx="5404680" cy="873000"/>
-            </a:xfrm>
-            <a:prstGeom prst="homePlate">
-              <a:avLst>
-                <a:gd name="adj" fmla="val 50000"/>
-              </a:avLst>
-            </a:prstGeom>
-            <a:solidFill>
-              <a:schemeClr val="accent6">
-                <a:hueOff val="0"/>
-                <a:satOff val="0"/>
-                <a:lumOff val="0"/>
-                <a:alphaOff val="0"/>
-              </a:schemeClr>
-            </a:solidFill>
-            <a:ln>
-              <a:noFill/>
-            </a:ln>
-            <a:scene3d>
-              <a:camera prst="orthographicFront"/>
-              <a:lightRig rig="threePt" dir="t"/>
-            </a:scene3d>
-            <a:sp3d extrusionH="381000" contourW="38100" prstMaterial="matte">
-              <a:contourClr>
-                <a:schemeClr val="lt1"/>
-              </a:contourClr>
-            </a:sp3d>
-          </p:spPr>
-          <p:style>
-            <a:lnRef idx="0">
-              <a:scrgbClr r="0" g="0" b="0"/>
-            </a:lnRef>
-            <a:fillRef idx="0">
-              <a:scrgbClr r="0" g="0" b="0"/>
-            </a:fillRef>
-            <a:effectRef idx="0">
-              <a:scrgbClr r="0" g="0" b="0"/>
-            </a:effectRef>
-            <a:fontRef idx="minor"/>
-          </p:style>
-          <p:txBody>
-            <a:bodyPr rot="10800000" lIns="191880" tIns="102960" rIns="385200" bIns="102960" anchor="ctr"/>
-            <a:lstStyle/>
-            <a:p>
-              <a:pPr algn="ctr">
-                <a:lnSpc>
-                  <a:spcPct val="90000"/>
-                </a:lnSpc>
-                <a:spcAft>
-                  <a:spcPts val="944"/>
-                </a:spcAft>
-              </a:pPr>
-              <a:r>
-                <a:rPr lang="fr-FR" sz="2700" b="0" strike="noStrike" spc="-1">
-                  <a:solidFill>
-                    <a:srgbClr val="FFFFFF"/>
-                  </a:solidFill>
-                  <a:latin typeface="Calibri"/>
-                </a:rPr>
-                <a:t>Modalités de paiement</a:t>
-              </a:r>
-              <a:endParaRPr lang="fr-FR" sz="2700" b="0" strike="noStrike" spc="-1">
-                <a:latin typeface="Arial"/>
-              </a:endParaRPr>
-            </a:p>
-          </p:txBody>
-        </p:sp>
-        <p:sp>
-          <p:nvSpPr>
-            <p:cNvPr id="86" name="CustomShape 12"/>
-            <p:cNvSpPr/>
-            <p:nvPr/>
-          </p:nvSpPr>
-          <p:spPr>
-            <a:xfrm>
-              <a:off x="3059640" y="5766840"/>
-              <a:ext cx="873000" cy="873000"/>
-            </a:xfrm>
-            <a:prstGeom prst="ellipse">
-              <a:avLst/>
-            </a:prstGeom>
-            <a:blipFill rotWithShape="0">
-              <a:blip r:embed="rId7"/>
-              <a:stretch>
-                <a:fillRect/>
-              </a:stretch>
-            </a:blipFill>
-            <a:ln>
-              <a:noFill/>
-            </a:ln>
-            <a:scene3d>
-              <a:camera prst="orthographicFront"/>
-              <a:lightRig rig="threePt" dir="t"/>
-            </a:scene3d>
-            <a:sp3d z="57150" extrusionH="63500" contourW="12700" prstMaterial="matte">
-              <a:contourClr>
-                <a:schemeClr val="lt1"/>
-              </a:contourClr>
-            </a:sp3d>
-          </p:spPr>
-          <p:style>
-            <a:lnRef idx="0">
-              <a:scrgbClr r="0" g="0" b="0"/>
-            </a:lnRef>
-            <a:fillRef idx="0">
-              <a:scrgbClr r="0" g="0" b="0"/>
-            </a:fillRef>
-            <a:effectRef idx="0">
-              <a:scrgbClr r="0" g="0" b="0"/>
-            </a:effectRef>
-            <a:fontRef idx="minor"/>
-          </p:style>
-        </p:sp>
-      </p:grpSp>
-      <p:grpSp>
-        <p:nvGrpSpPr>
-          <p:cNvPr id="87" name="Group 13"/>
-          <p:cNvGrpSpPr/>
-          <p:nvPr/>
-        </p:nvGrpSpPr>
-        <p:grpSpPr>
-          <a:xfrm>
-            <a:off x="0" y="0"/>
-            <a:ext cx="36000" cy="36000"/>
-            <a:chOff x="0" y="0"/>
-            <a:chExt cx="36000" cy="36000"/>
-          </a:xfrm>
-        </p:grpSpPr>
-      </p:grpSp>
-      <p:sp>
-        <p:nvSpPr>
-          <p:cNvPr id="17" name="ZoneTexte 16">
-            <a:extLst>
-              <a:ext uri="{FF2B5EF4-FFF2-40B4-BE49-F238E27FC236}">
-                <a16:creationId xmlns:a16="http://schemas.microsoft.com/office/drawing/2014/main" id="{00D32015-9FA5-45F5-87B6-FF8D82A98E4A}"/>
-              </a:ext>
-            </a:extLst>
-          </p:cNvPr>
-          <p:cNvSpPr txBox="1"/>
-          <p:nvPr/>
-        </p:nvSpPr>
-        <p:spPr>
-          <a:xfrm>
-            <a:off x="11092543" y="6393575"/>
-            <a:ext cx="903514" cy="400110"/>
-          </a:xfrm>
-          <a:prstGeom prst="rect">
-            <a:avLst/>
-          </a:prstGeom>
-          <a:noFill/>
-        </p:spPr>
-        <p:txBody>
-          <a:bodyPr wrap="square" rtlCol="0">
-            <a:spAutoFit/>
-          </a:bodyPr>
-          <a:lstStyle/>
-          <a:p>
-            <a:pPr algn="ctr"/>
-            <a:r>
-              <a:rPr lang="fr-FR" sz="2000" b="1" dirty="0"/>
-              <a:t>5/18</a:t>
-            </a:r>
-          </a:p>
-        </p:txBody>
-      </p:sp>
-    </p:spTree>
-  </p:cSld>
-  <p:clrMapOvr>
-    <a:masterClrMapping/>
-  </p:clrMapOvr>
-  <p:transition spd="slow">
-    <p:push dir="u"/>
-  </p:transition>
-  <p:timing>
-    <p:tnLst>
-      <p:par>
-        <p:cTn id="1" dur="indefinite" restart="never" nodeType="tmRoot">
-          <p:childTnLst>
-            <p:seq>
-              <p:cTn id="2" dur="indefinite" nodeType="mainSeq"/>
-              <p:prevCondLst>
-                <p:cond evt="onPrev" delay="0">
-                  <p:tgtEl>
-                    <p:sldTgt/>
-                  </p:tgtEl>
-                </p:cond>
-              </p:prevCondLst>
-              <p:nextCondLst>
-                <p:cond evt="onNext" delay="0">
-                  <p:tgtEl>
-                    <p:sldTgt/>
-                  </p:tgtEl>
-                </p:cond>
-              </p:nextCondLst>
-            </p:seq>
-          </p:childTnLst>
-        </p:cTn>
-      </p:par>
-    </p:tnLst>
-  </p:timing>
-</p:sld>
-</file>
-
-<file path=ppt/slides/slide6.xml><?xml version="1.0" encoding="utf-8"?>
-<p:sld xmlns:a="http://schemas.openxmlformats.org/drawingml/2006/main" xmlns:r="http://schemas.openxmlformats.org/officeDocument/2006/relationships" xmlns:p="http://schemas.openxmlformats.org/presentationml/2006/main">
-  <p:cSld>
-    <p:spTree>
-      <p:nvGrpSpPr>
-        <p:cNvPr id="1" name=""/>
-        <p:cNvGrpSpPr/>
-        <p:nvPr/>
-      </p:nvGrpSpPr>
-      <p:grpSpPr>
-        <a:xfrm>
-          <a:off x="0" y="0"/>
-          <a:ext cx="0" cy="0"/>
-          <a:chOff x="0" y="0"/>
-          <a:chExt cx="0" cy="0"/>
-        </a:xfrm>
-      </p:grpSpPr>
-      <p:pic>
-        <p:nvPicPr>
           <p:cNvPr id="3" name="Picture 2" descr="C:\Users\Barna TM\Desktop\modeleblanc.png">
             <a:extLst>
               <a:ext uri="{FF2B5EF4-FFF2-40B4-BE49-F238E27FC236}">
@@ -15038,7 +13758,7 @@
                 <a:latin typeface="Calibri" panose="020F0502020204030204" pitchFamily="34" charset="0"/>
                 <a:cs typeface="Calibri" panose="020F0502020204030204" pitchFamily="34" charset="0"/>
               </a:rPr>
-              <a:t>4) Organigramme</a:t>
+              <a:t>2) Organigramme</a:t>
             </a:r>
           </a:p>
         </p:txBody>
@@ -15336,6 +14056,1378 @@
   <p:transition spd="slow">
     <p:push dir="u"/>
   </p:transition>
+</p:sld>
+</file>
+
+<file path=ppt/slides/slide5.xml><?xml version="1.0" encoding="utf-8"?>
+<p:sld xmlns:a="http://schemas.openxmlformats.org/drawingml/2006/main" xmlns:r="http://schemas.openxmlformats.org/officeDocument/2006/relationships" xmlns:p="http://schemas.openxmlformats.org/presentationml/2006/main">
+  <p:cSld>
+    <p:spTree>
+      <p:nvGrpSpPr>
+        <p:cNvPr id="1" name=""/>
+        <p:cNvGrpSpPr/>
+        <p:nvPr/>
+      </p:nvGrpSpPr>
+      <p:grpSpPr>
+        <a:xfrm>
+          <a:off x="0" y="0"/>
+          <a:ext cx="0" cy="0"/>
+          <a:chOff x="0" y="0"/>
+          <a:chExt cx="0" cy="0"/>
+        </a:xfrm>
+      </p:grpSpPr>
+      <p:pic>
+        <p:nvPicPr>
+          <p:cNvPr id="66" name="Picture 2"/>
+          <p:cNvPicPr/>
+          <p:nvPr/>
+        </p:nvPicPr>
+        <p:blipFill>
+          <a:blip r:embed="rId2"/>
+          <a:stretch/>
+        </p:blipFill>
+        <p:spPr>
+          <a:xfrm>
+            <a:off x="1440" y="-577080"/>
+            <a:ext cx="12189960" cy="7551360"/>
+          </a:xfrm>
+          <a:prstGeom prst="rect">
+            <a:avLst/>
+          </a:prstGeom>
+          <a:ln>
+            <a:noFill/>
+          </a:ln>
+        </p:spPr>
+      </p:pic>
+      <p:sp>
+        <p:nvSpPr>
+          <p:cNvPr id="67" name="CustomShape 1"/>
+          <p:cNvSpPr/>
+          <p:nvPr/>
+        </p:nvSpPr>
+        <p:spPr>
+          <a:xfrm>
+            <a:off x="80280" y="209880"/>
+            <a:ext cx="6515280" cy="516960"/>
+          </a:xfrm>
+          <a:prstGeom prst="rect">
+            <a:avLst/>
+          </a:prstGeom>
+          <a:noFill/>
+          <a:ln>
+            <a:noFill/>
+          </a:ln>
+        </p:spPr>
+        <p:style>
+          <a:lnRef idx="0">
+            <a:scrgbClr r="0" g="0" b="0"/>
+          </a:lnRef>
+          <a:fillRef idx="0">
+            <a:scrgbClr r="0" g="0" b="0"/>
+          </a:fillRef>
+          <a:effectRef idx="0">
+            <a:scrgbClr r="0" g="0" b="0"/>
+          </a:effectRef>
+          <a:fontRef idx="minor"/>
+        </p:style>
+        <p:txBody>
+          <a:bodyPr lIns="90000" tIns="45000" rIns="90000" bIns="45000"/>
+          <a:lstStyle/>
+          <a:p>
+            <a:pPr>
+              <a:lnSpc>
+                <a:spcPct val="100000"/>
+              </a:lnSpc>
+            </a:pPr>
+            <a:r>
+              <a:rPr lang="fr-FR" sz="2800" b="1" spc="-1" dirty="0">
+                <a:solidFill>
+                  <a:srgbClr val="FFFFFF"/>
+                </a:solidFill>
+                <a:latin typeface="Calibri"/>
+              </a:rPr>
+              <a:t>3</a:t>
+            </a:r>
+            <a:r>
+              <a:rPr lang="fr-FR" sz="2800" b="1" strike="noStrike" spc="-1" dirty="0">
+                <a:solidFill>
+                  <a:srgbClr val="FFFFFF"/>
+                </a:solidFill>
+                <a:latin typeface="Calibri"/>
+              </a:rPr>
+              <a:t>) Objectifs</a:t>
+            </a:r>
+            <a:endParaRPr lang="fr-FR" sz="2800" b="0" strike="noStrike" spc="-1" dirty="0">
+              <a:latin typeface="Arial"/>
+            </a:endParaRPr>
+          </a:p>
+        </p:txBody>
+      </p:sp>
+      <p:grpSp>
+        <p:nvGrpSpPr>
+          <p:cNvPr id="68" name="Group 2"/>
+          <p:cNvGrpSpPr/>
+          <p:nvPr/>
+        </p:nvGrpSpPr>
+        <p:grpSpPr>
+          <a:xfrm>
+            <a:off x="1913641" y="1278822"/>
+            <a:ext cx="8237399" cy="5266611"/>
+            <a:chOff x="1913521" y="1142113"/>
+            <a:chExt cx="8237399" cy="5418360"/>
+          </a:xfrm>
+        </p:grpSpPr>
+        <p:sp>
+          <p:nvSpPr>
+            <p:cNvPr id="69" name="CustomShape 3"/>
+            <p:cNvSpPr/>
+            <p:nvPr/>
+          </p:nvSpPr>
+          <p:spPr>
+            <a:xfrm>
+              <a:off x="2641680" y="1142113"/>
+              <a:ext cx="6908400" cy="5418360"/>
+            </a:xfrm>
+            <a:prstGeom prst="rightArrow">
+              <a:avLst>
+                <a:gd name="adj1" fmla="val 50000"/>
+                <a:gd name="adj2" fmla="val 50000"/>
+              </a:avLst>
+            </a:prstGeom>
+            <a:solidFill>
+              <a:schemeClr val="accent2"/>
+            </a:solidFill>
+            <a:ln>
+              <a:noFill/>
+            </a:ln>
+          </p:spPr>
+          <p:style>
+            <a:lnRef idx="0">
+              <a:scrgbClr r="0" g="0" b="0"/>
+            </a:lnRef>
+            <a:fillRef idx="0">
+              <a:scrgbClr r="0" g="0" b="0"/>
+            </a:fillRef>
+            <a:effectRef idx="0">
+              <a:scrgbClr r="0" g="0" b="0"/>
+            </a:effectRef>
+            <a:fontRef idx="minor"/>
+          </p:style>
+        </p:sp>
+        <p:sp>
+          <p:nvSpPr>
+            <p:cNvPr id="70" name="CustomShape 4"/>
+            <p:cNvSpPr/>
+            <p:nvPr/>
+          </p:nvSpPr>
+          <p:spPr>
+            <a:xfrm>
+              <a:off x="1913521" y="2767513"/>
+              <a:ext cx="2743079" cy="2167200"/>
+            </a:xfrm>
+            <a:prstGeom prst="roundRect">
+              <a:avLst>
+                <a:gd name="adj" fmla="val 16667"/>
+              </a:avLst>
+            </a:prstGeom>
+            <a:solidFill>
+              <a:schemeClr val="tx1"/>
+            </a:solidFill>
+            <a:ln>
+              <a:solidFill>
+                <a:schemeClr val="lt1">
+                  <a:hueOff val="0"/>
+                  <a:satOff val="0"/>
+                  <a:lumOff val="0"/>
+                  <a:alphaOff val="0"/>
+                </a:schemeClr>
+              </a:solidFill>
+            </a:ln>
+          </p:spPr>
+          <p:style>
+            <a:lnRef idx="2">
+              <a:scrgbClr r="0" g="0" b="0"/>
+            </a:lnRef>
+            <a:fillRef idx="0">
+              <a:scrgbClr r="0" g="0" b="0"/>
+            </a:fillRef>
+            <a:effectRef idx="0">
+              <a:scrgbClr r="0" g="0" b="0"/>
+            </a:effectRef>
+            <a:fontRef idx="minor"/>
+          </p:style>
+          <p:txBody>
+            <a:bodyPr lIns="216360" tIns="216360" rIns="110520" bIns="216360" anchor="ctr"/>
+            <a:lstStyle/>
+            <a:p>
+              <a:pPr algn="ctr">
+                <a:lnSpc>
+                  <a:spcPct val="90000"/>
+                </a:lnSpc>
+                <a:spcAft>
+                  <a:spcPts val="1015"/>
+                </a:spcAft>
+              </a:pPr>
+              <a:r>
+                <a:rPr lang="fr-FR" sz="2900" b="0" strike="noStrike" spc="-1" dirty="0">
+                  <a:solidFill>
+                    <a:srgbClr val="FFFFFF"/>
+                  </a:solidFill>
+                  <a:latin typeface="Calibri"/>
+                </a:rPr>
+                <a:t>Augmentation du CA</a:t>
+              </a:r>
+              <a:endParaRPr lang="fr-FR" sz="2900" b="0" strike="noStrike" spc="-1" dirty="0">
+                <a:latin typeface="Arial"/>
+              </a:endParaRPr>
+            </a:p>
+          </p:txBody>
+        </p:sp>
+        <p:sp>
+          <p:nvSpPr>
+            <p:cNvPr id="71" name="CustomShape 5"/>
+            <p:cNvSpPr/>
+            <p:nvPr/>
+          </p:nvSpPr>
+          <p:spPr>
+            <a:xfrm>
+              <a:off x="4788000" y="2767513"/>
+              <a:ext cx="2615760" cy="2167200"/>
+            </a:xfrm>
+            <a:prstGeom prst="roundRect">
+              <a:avLst>
+                <a:gd name="adj" fmla="val 16667"/>
+              </a:avLst>
+            </a:prstGeom>
+            <a:solidFill>
+              <a:schemeClr val="tx1"/>
+            </a:solidFill>
+            <a:ln>
+              <a:solidFill>
+                <a:schemeClr val="lt1">
+                  <a:hueOff val="0"/>
+                  <a:satOff val="0"/>
+                  <a:lumOff val="0"/>
+                  <a:alphaOff val="0"/>
+                </a:schemeClr>
+              </a:solidFill>
+            </a:ln>
+          </p:spPr>
+          <p:style>
+            <a:lnRef idx="2">
+              <a:scrgbClr r="0" g="0" b="0"/>
+            </a:lnRef>
+            <a:fillRef idx="0">
+              <a:scrgbClr r="0" g="0" b="0"/>
+            </a:fillRef>
+            <a:effectRef idx="0">
+              <a:scrgbClr r="0" g="0" b="0"/>
+            </a:effectRef>
+            <a:fontRef idx="minor"/>
+          </p:style>
+          <p:txBody>
+            <a:bodyPr lIns="216360" tIns="216360" rIns="110520" bIns="216360" anchor="ctr"/>
+            <a:lstStyle/>
+            <a:p>
+              <a:pPr algn="ctr">
+                <a:lnSpc>
+                  <a:spcPct val="90000"/>
+                </a:lnSpc>
+                <a:spcAft>
+                  <a:spcPts val="1015"/>
+                </a:spcAft>
+              </a:pPr>
+              <a:r>
+                <a:rPr lang="fr-FR" sz="2900" b="0" strike="noStrike" spc="-1" dirty="0">
+                  <a:solidFill>
+                    <a:srgbClr val="FFFFFF"/>
+                  </a:solidFill>
+                  <a:latin typeface="Calibri"/>
+                </a:rPr>
+                <a:t>Gagner des parts de marché sur les concurrents</a:t>
+              </a:r>
+              <a:endParaRPr lang="fr-FR" sz="2900" b="0" strike="noStrike" spc="-1" dirty="0">
+                <a:latin typeface="Arial"/>
+              </a:endParaRPr>
+            </a:p>
+          </p:txBody>
+        </p:sp>
+        <p:sp>
+          <p:nvSpPr>
+            <p:cNvPr id="72" name="CustomShape 6"/>
+            <p:cNvSpPr/>
+            <p:nvPr/>
+          </p:nvSpPr>
+          <p:spPr>
+            <a:xfrm>
+              <a:off x="7535160" y="2767513"/>
+              <a:ext cx="2615760" cy="2167200"/>
+            </a:xfrm>
+            <a:prstGeom prst="roundRect">
+              <a:avLst>
+                <a:gd name="adj" fmla="val 16667"/>
+              </a:avLst>
+            </a:prstGeom>
+            <a:solidFill>
+              <a:schemeClr val="tx1"/>
+            </a:solidFill>
+            <a:ln>
+              <a:solidFill>
+                <a:schemeClr val="lt1">
+                  <a:hueOff val="0"/>
+                  <a:satOff val="0"/>
+                  <a:lumOff val="0"/>
+                  <a:alphaOff val="0"/>
+                </a:schemeClr>
+              </a:solidFill>
+            </a:ln>
+          </p:spPr>
+          <p:style>
+            <a:lnRef idx="2">
+              <a:scrgbClr r="0" g="0" b="0"/>
+            </a:lnRef>
+            <a:fillRef idx="0">
+              <a:scrgbClr r="0" g="0" b="0"/>
+            </a:fillRef>
+            <a:effectRef idx="0">
+              <a:scrgbClr r="0" g="0" b="0"/>
+            </a:effectRef>
+            <a:fontRef idx="minor"/>
+          </p:style>
+          <p:txBody>
+            <a:bodyPr lIns="216360" tIns="216360" rIns="110520" bIns="216360" anchor="ctr"/>
+            <a:lstStyle/>
+            <a:p>
+              <a:pPr algn="ctr">
+                <a:lnSpc>
+                  <a:spcPct val="90000"/>
+                </a:lnSpc>
+                <a:spcAft>
+                  <a:spcPts val="1015"/>
+                </a:spcAft>
+              </a:pPr>
+              <a:r>
+                <a:rPr lang="fr-FR" sz="2900" b="0" strike="noStrike" spc="-1">
+                  <a:solidFill>
+                    <a:srgbClr val="FFFFFF"/>
+                  </a:solidFill>
+                  <a:latin typeface="Calibri"/>
+                </a:rPr>
+                <a:t>Augmenter sa notoriété</a:t>
+              </a:r>
+              <a:endParaRPr lang="fr-FR" sz="2900" b="0" strike="noStrike" spc="-1">
+                <a:latin typeface="Arial"/>
+              </a:endParaRPr>
+            </a:p>
+          </p:txBody>
+        </p:sp>
+      </p:grpSp>
+      <p:grpSp>
+        <p:nvGrpSpPr>
+          <p:cNvPr id="73" name="Group 7"/>
+          <p:cNvGrpSpPr/>
+          <p:nvPr/>
+        </p:nvGrpSpPr>
+        <p:grpSpPr>
+          <a:xfrm>
+            <a:off x="0" y="0"/>
+            <a:ext cx="36000" cy="36000"/>
+            <a:chOff x="0" y="0"/>
+            <a:chExt cx="36000" cy="36000"/>
+          </a:xfrm>
+        </p:grpSpPr>
+      </p:grpSp>
+      <p:sp>
+        <p:nvSpPr>
+          <p:cNvPr id="12" name="ZoneTexte 11">
+            <a:extLst>
+              <a:ext uri="{FF2B5EF4-FFF2-40B4-BE49-F238E27FC236}">
+                <a16:creationId xmlns:a16="http://schemas.microsoft.com/office/drawing/2014/main" id="{F3A0F140-ED54-41A7-BCB6-4998E2E556BA}"/>
+              </a:ext>
+            </a:extLst>
+          </p:cNvPr>
+          <p:cNvSpPr txBox="1"/>
+          <p:nvPr/>
+        </p:nvSpPr>
+        <p:spPr>
+          <a:xfrm>
+            <a:off x="11092543" y="6393575"/>
+            <a:ext cx="903514" cy="400110"/>
+          </a:xfrm>
+          <a:prstGeom prst="rect">
+            <a:avLst/>
+          </a:prstGeom>
+          <a:noFill/>
+        </p:spPr>
+        <p:txBody>
+          <a:bodyPr wrap="square" rtlCol="0">
+            <a:spAutoFit/>
+          </a:bodyPr>
+          <a:lstStyle/>
+          <a:p>
+            <a:pPr algn="ctr"/>
+            <a:r>
+              <a:rPr lang="fr-FR" sz="2000" b="1" dirty="0"/>
+              <a:t>4/18</a:t>
+            </a:r>
+          </a:p>
+        </p:txBody>
+      </p:sp>
+    </p:spTree>
+  </p:cSld>
+  <p:clrMapOvr>
+    <a:masterClrMapping/>
+  </p:clrMapOvr>
+  <p:transition spd="slow">
+    <p:push dir="u"/>
+  </p:transition>
+  <p:timing>
+    <p:tnLst>
+      <p:par>
+        <p:cTn id="1" dur="indefinite" restart="never" nodeType="tmRoot">
+          <p:childTnLst>
+            <p:seq concurrent="1" nextAc="seek">
+              <p:cTn id="2" dur="indefinite" nodeType="mainSeq">
+                <p:childTnLst>
+                  <p:par>
+                    <p:cTn id="3" fill="hold">
+                      <p:stCondLst>
+                        <p:cond delay="indefinite"/>
+                      </p:stCondLst>
+                      <p:childTnLst>
+                        <p:par>
+                          <p:cTn id="4" fill="hold">
+                            <p:stCondLst>
+                              <p:cond delay="0"/>
+                            </p:stCondLst>
+                            <p:childTnLst>
+                              <p:par>
+                                <p:cTn id="5" presetID="45" presetClass="entr" presetSubtype="0" fill="hold" nodeType="clickEffect">
+                                  <p:stCondLst>
+                                    <p:cond delay="0"/>
+                                  </p:stCondLst>
+                                  <p:childTnLst>
+                                    <p:set>
+                                      <p:cBhvr>
+                                        <p:cTn id="6" dur="1" fill="hold">
+                                          <p:stCondLst>
+                                            <p:cond delay="0"/>
+                                          </p:stCondLst>
+                                        </p:cTn>
+                                        <p:tgtEl>
+                                          <p:spTgt spid="68"/>
+                                        </p:tgtEl>
+                                        <p:attrNameLst>
+                                          <p:attrName>style.visibility</p:attrName>
+                                        </p:attrNameLst>
+                                      </p:cBhvr>
+                                      <p:to>
+                                        <p:strVal val="visible"/>
+                                      </p:to>
+                                    </p:set>
+                                    <p:animEffect transition="in" filter="fade">
+                                      <p:cBhvr>
+                                        <p:cTn id="7" dur="2000"/>
+                                        <p:tgtEl>
+                                          <p:spTgt spid="68"/>
+                                        </p:tgtEl>
+                                      </p:cBhvr>
+                                    </p:animEffect>
+                                    <p:anim calcmode="lin" valueType="num">
+                                      <p:cBhvr>
+                                        <p:cTn id="8" dur="2000" fill="hold"/>
+                                        <p:tgtEl>
+                                          <p:spTgt spid="68"/>
+                                        </p:tgtEl>
+                                        <p:attrNameLst>
+                                          <p:attrName>ppt_w</p:attrName>
+                                        </p:attrNameLst>
+                                      </p:cBhvr>
+                                      <p:tavLst>
+                                        <p:tav tm="0" fmla="#ppt_w*sin(2.5*pi*$)">
+                                          <p:val>
+                                            <p:fltVal val="0"/>
+                                          </p:val>
+                                        </p:tav>
+                                        <p:tav tm="100000">
+                                          <p:val>
+                                            <p:fltVal val="1"/>
+                                          </p:val>
+                                        </p:tav>
+                                      </p:tavLst>
+                                    </p:anim>
+                                    <p:anim calcmode="lin" valueType="num">
+                                      <p:cBhvr>
+                                        <p:cTn id="9" dur="2000" fill="hold"/>
+                                        <p:tgtEl>
+                                          <p:spTgt spid="68"/>
+                                        </p:tgtEl>
+                                        <p:attrNameLst>
+                                          <p:attrName>ppt_h</p:attrName>
+                                        </p:attrNameLst>
+                                      </p:cBhvr>
+                                      <p:tavLst>
+                                        <p:tav tm="0">
+                                          <p:val>
+                                            <p:strVal val="#ppt_h"/>
+                                          </p:val>
+                                        </p:tav>
+                                        <p:tav tm="100000">
+                                          <p:val>
+                                            <p:strVal val="#ppt_h"/>
+                                          </p:val>
+                                        </p:tav>
+                                      </p:tavLst>
+                                    </p:anim>
+                                  </p:childTnLst>
+                                </p:cTn>
+                              </p:par>
+                            </p:childTnLst>
+                          </p:cTn>
+                        </p:par>
+                      </p:childTnLst>
+                    </p:cTn>
+                  </p:par>
+                </p:childTnLst>
+              </p:cTn>
+              <p:prevCondLst>
+                <p:cond evt="onPrev" delay="0">
+                  <p:tgtEl>
+                    <p:sldTgt/>
+                  </p:tgtEl>
+                </p:cond>
+              </p:prevCondLst>
+              <p:nextCondLst>
+                <p:cond evt="onNext" delay="0">
+                  <p:tgtEl>
+                    <p:sldTgt/>
+                  </p:tgtEl>
+                </p:cond>
+              </p:nextCondLst>
+            </p:seq>
+          </p:childTnLst>
+        </p:cTn>
+      </p:par>
+    </p:tnLst>
+  </p:timing>
+</p:sld>
+</file>
+
+<file path=ppt/slides/slide6.xml><?xml version="1.0" encoding="utf-8"?>
+<p:sld xmlns:a="http://schemas.openxmlformats.org/drawingml/2006/main" xmlns:r="http://schemas.openxmlformats.org/officeDocument/2006/relationships" xmlns:p="http://schemas.openxmlformats.org/presentationml/2006/main">
+  <p:cSld>
+    <p:spTree>
+      <p:nvGrpSpPr>
+        <p:cNvPr id="1" name=""/>
+        <p:cNvGrpSpPr/>
+        <p:nvPr/>
+      </p:nvGrpSpPr>
+      <p:grpSpPr>
+        <a:xfrm>
+          <a:off x="0" y="0"/>
+          <a:ext cx="0" cy="0"/>
+          <a:chOff x="0" y="0"/>
+          <a:chExt cx="0" cy="0"/>
+        </a:xfrm>
+      </p:grpSpPr>
+      <p:pic>
+        <p:nvPicPr>
+          <p:cNvPr id="74" name="Picture 2"/>
+          <p:cNvPicPr/>
+          <p:nvPr/>
+        </p:nvPicPr>
+        <p:blipFill>
+          <a:blip r:embed="rId2"/>
+          <a:stretch/>
+        </p:blipFill>
+        <p:spPr>
+          <a:xfrm>
+            <a:off x="1440" y="-577080"/>
+            <a:ext cx="12189960" cy="7551360"/>
+          </a:xfrm>
+          <a:prstGeom prst="rect">
+            <a:avLst/>
+          </a:prstGeom>
+          <a:ln>
+            <a:noFill/>
+          </a:ln>
+        </p:spPr>
+      </p:pic>
+      <p:sp>
+        <p:nvSpPr>
+          <p:cNvPr id="75" name="CustomShape 1"/>
+          <p:cNvSpPr/>
+          <p:nvPr/>
+        </p:nvSpPr>
+        <p:spPr>
+          <a:xfrm>
+            <a:off x="80280" y="209880"/>
+            <a:ext cx="6515280" cy="516960"/>
+          </a:xfrm>
+          <a:prstGeom prst="rect">
+            <a:avLst/>
+          </a:prstGeom>
+          <a:noFill/>
+          <a:ln>
+            <a:noFill/>
+          </a:ln>
+        </p:spPr>
+        <p:style>
+          <a:lnRef idx="0">
+            <a:scrgbClr r="0" g="0" b="0"/>
+          </a:lnRef>
+          <a:fillRef idx="0">
+            <a:scrgbClr r="0" g="0" b="0"/>
+          </a:fillRef>
+          <a:effectRef idx="0">
+            <a:scrgbClr r="0" g="0" b="0"/>
+          </a:effectRef>
+          <a:fontRef idx="minor"/>
+        </p:style>
+        <p:txBody>
+          <a:bodyPr lIns="90000" tIns="45000" rIns="90000" bIns="45000"/>
+          <a:lstStyle/>
+          <a:p>
+            <a:pPr>
+              <a:lnSpc>
+                <a:spcPct val="100000"/>
+              </a:lnSpc>
+            </a:pPr>
+            <a:r>
+              <a:rPr lang="fr-FR" sz="2800" b="1" spc="-1" dirty="0">
+                <a:solidFill>
+                  <a:srgbClr val="FFFFFF"/>
+                </a:solidFill>
+                <a:latin typeface="Calibri"/>
+              </a:rPr>
+              <a:t>4</a:t>
+            </a:r>
+            <a:r>
+              <a:rPr lang="fr-FR" sz="2800" b="1" strike="noStrike" spc="-1" dirty="0">
+                <a:solidFill>
+                  <a:srgbClr val="FFFFFF"/>
+                </a:solidFill>
+                <a:latin typeface="Calibri"/>
+              </a:rPr>
+              <a:t>) Besoins</a:t>
+            </a:r>
+            <a:endParaRPr lang="fr-FR" sz="2800" b="0" strike="noStrike" spc="-1" dirty="0">
+              <a:latin typeface="Arial"/>
+            </a:endParaRPr>
+          </a:p>
+        </p:txBody>
+      </p:sp>
+      <p:grpSp>
+        <p:nvGrpSpPr>
+          <p:cNvPr id="76" name="Group 2"/>
+          <p:cNvGrpSpPr/>
+          <p:nvPr/>
+        </p:nvGrpSpPr>
+        <p:grpSpPr>
+          <a:xfrm>
+            <a:off x="3059640" y="1229760"/>
+            <a:ext cx="5841720" cy="5410440"/>
+            <a:chOff x="3059640" y="1229760"/>
+            <a:chExt cx="5841720" cy="5410440"/>
+          </a:xfrm>
+        </p:grpSpPr>
+        <p:sp>
+          <p:nvSpPr>
+            <p:cNvPr id="77" name="CustomShape 3"/>
+            <p:cNvSpPr/>
+            <p:nvPr/>
+          </p:nvSpPr>
+          <p:spPr>
+            <a:xfrm rot="10800000">
+              <a:off x="3496680" y="1230120"/>
+              <a:ext cx="5404680" cy="873000"/>
+            </a:xfrm>
+            <a:prstGeom prst="homePlate">
+              <a:avLst>
+                <a:gd name="adj" fmla="val 50000"/>
+              </a:avLst>
+            </a:prstGeom>
+            <a:solidFill>
+              <a:schemeClr val="accent2">
+                <a:hueOff val="0"/>
+                <a:satOff val="0"/>
+                <a:lumOff val="0"/>
+                <a:alphaOff val="0"/>
+              </a:schemeClr>
+            </a:solidFill>
+            <a:ln>
+              <a:noFill/>
+            </a:ln>
+            <a:scene3d>
+              <a:camera prst="orthographicFront"/>
+              <a:lightRig rig="threePt" dir="t"/>
+            </a:scene3d>
+            <a:sp3d extrusionH="381000" contourW="38100" prstMaterial="matte">
+              <a:contourClr>
+                <a:schemeClr val="lt1"/>
+              </a:contourClr>
+            </a:sp3d>
+          </p:spPr>
+          <p:style>
+            <a:lnRef idx="0">
+              <a:scrgbClr r="0" g="0" b="0"/>
+            </a:lnRef>
+            <a:fillRef idx="0">
+              <a:scrgbClr r="0" g="0" b="0"/>
+            </a:fillRef>
+            <a:effectRef idx="0">
+              <a:scrgbClr r="0" g="0" b="0"/>
+            </a:effectRef>
+            <a:fontRef idx="minor"/>
+          </p:style>
+          <p:txBody>
+            <a:bodyPr rot="10800000" lIns="191880" tIns="102960" rIns="385200" bIns="102960" anchor="ctr"/>
+            <a:lstStyle/>
+            <a:p>
+              <a:pPr algn="ctr">
+                <a:lnSpc>
+                  <a:spcPct val="90000"/>
+                </a:lnSpc>
+                <a:spcAft>
+                  <a:spcPts val="944"/>
+                </a:spcAft>
+              </a:pPr>
+              <a:r>
+                <a:rPr lang="fr-FR" sz="2700" b="0" strike="noStrike" spc="-1">
+                  <a:solidFill>
+                    <a:srgbClr val="FFFFFF"/>
+                  </a:solidFill>
+                  <a:latin typeface="Calibri"/>
+                </a:rPr>
+                <a:t>Application responsive</a:t>
+              </a:r>
+              <a:endParaRPr lang="fr-FR" sz="2700" b="0" strike="noStrike" spc="-1">
+                <a:latin typeface="Arial"/>
+              </a:endParaRPr>
+            </a:p>
+          </p:txBody>
+        </p:sp>
+        <p:sp>
+          <p:nvSpPr>
+            <p:cNvPr id="78" name="CustomShape 4"/>
+            <p:cNvSpPr/>
+            <p:nvPr/>
+          </p:nvSpPr>
+          <p:spPr>
+            <a:xfrm>
+              <a:off x="3059640" y="1229760"/>
+              <a:ext cx="873000" cy="873000"/>
+            </a:xfrm>
+            <a:prstGeom prst="ellipse">
+              <a:avLst/>
+            </a:prstGeom>
+            <a:blipFill rotWithShape="0">
+              <a:blip r:embed="rId3"/>
+              <a:stretch>
+                <a:fillRect/>
+              </a:stretch>
+            </a:blipFill>
+            <a:ln>
+              <a:noFill/>
+            </a:ln>
+            <a:scene3d>
+              <a:camera prst="orthographicFront"/>
+              <a:lightRig rig="threePt" dir="t"/>
+            </a:scene3d>
+            <a:sp3d z="57150" extrusionH="63500" contourW="12700" prstMaterial="matte">
+              <a:contourClr>
+                <a:schemeClr val="lt1"/>
+              </a:contourClr>
+            </a:sp3d>
+          </p:spPr>
+          <p:style>
+            <a:lnRef idx="0">
+              <a:scrgbClr r="0" g="0" b="0"/>
+            </a:lnRef>
+            <a:fillRef idx="0">
+              <a:scrgbClr r="0" g="0" b="0"/>
+            </a:fillRef>
+            <a:effectRef idx="0">
+              <a:scrgbClr r="0" g="0" b="0"/>
+            </a:effectRef>
+            <a:fontRef idx="minor"/>
+          </p:style>
+        </p:sp>
+        <p:sp>
+          <p:nvSpPr>
+            <p:cNvPr id="79" name="CustomShape 5"/>
+            <p:cNvSpPr/>
+            <p:nvPr/>
+          </p:nvSpPr>
+          <p:spPr>
+            <a:xfrm rot="10800000">
+              <a:off x="3496680" y="2364480"/>
+              <a:ext cx="5404680" cy="873000"/>
+            </a:xfrm>
+            <a:prstGeom prst="homePlate">
+              <a:avLst>
+                <a:gd name="adj" fmla="val 50000"/>
+              </a:avLst>
+            </a:prstGeom>
+            <a:solidFill>
+              <a:schemeClr val="accent3">
+                <a:hueOff val="0"/>
+                <a:satOff val="0"/>
+                <a:lumOff val="0"/>
+                <a:alphaOff val="0"/>
+              </a:schemeClr>
+            </a:solidFill>
+            <a:ln>
+              <a:noFill/>
+            </a:ln>
+            <a:scene3d>
+              <a:camera prst="orthographicFront"/>
+              <a:lightRig rig="threePt" dir="t"/>
+            </a:scene3d>
+            <a:sp3d extrusionH="381000" contourW="38100" prstMaterial="matte">
+              <a:contourClr>
+                <a:schemeClr val="lt1"/>
+              </a:contourClr>
+            </a:sp3d>
+          </p:spPr>
+          <p:style>
+            <a:lnRef idx="0">
+              <a:scrgbClr r="0" g="0" b="0"/>
+            </a:lnRef>
+            <a:fillRef idx="0">
+              <a:scrgbClr r="0" g="0" b="0"/>
+            </a:fillRef>
+            <a:effectRef idx="0">
+              <a:scrgbClr r="0" g="0" b="0"/>
+            </a:effectRef>
+            <a:fontRef idx="minor"/>
+          </p:style>
+          <p:txBody>
+            <a:bodyPr rot="10800000" lIns="191880" tIns="102960" rIns="385200" bIns="102960" anchor="ctr"/>
+            <a:lstStyle/>
+            <a:p>
+              <a:pPr algn="ctr">
+                <a:lnSpc>
+                  <a:spcPct val="90000"/>
+                </a:lnSpc>
+                <a:spcAft>
+                  <a:spcPts val="944"/>
+                </a:spcAft>
+              </a:pPr>
+              <a:r>
+                <a:rPr lang="fr-FR" sz="2700" b="0" strike="noStrike" spc="-1">
+                  <a:solidFill>
+                    <a:srgbClr val="FFFFFF"/>
+                  </a:solidFill>
+                  <a:latin typeface="Calibri"/>
+                </a:rPr>
+                <a:t>Lien fournisseur/commercial</a:t>
+              </a:r>
+              <a:endParaRPr lang="fr-FR" sz="2700" b="0" strike="noStrike" spc="-1">
+                <a:latin typeface="Arial"/>
+              </a:endParaRPr>
+            </a:p>
+          </p:txBody>
+        </p:sp>
+        <p:sp>
+          <p:nvSpPr>
+            <p:cNvPr id="80" name="CustomShape 6"/>
+            <p:cNvSpPr/>
+            <p:nvPr/>
+          </p:nvSpPr>
+          <p:spPr>
+            <a:xfrm>
+              <a:off x="3059640" y="2364120"/>
+              <a:ext cx="873000" cy="873000"/>
+            </a:xfrm>
+            <a:prstGeom prst="ellipse">
+              <a:avLst/>
+            </a:prstGeom>
+            <a:blipFill rotWithShape="0">
+              <a:blip r:embed="rId4"/>
+              <a:stretch>
+                <a:fillRect/>
+              </a:stretch>
+            </a:blipFill>
+            <a:ln>
+              <a:noFill/>
+            </a:ln>
+            <a:scene3d>
+              <a:camera prst="orthographicFront"/>
+              <a:lightRig rig="threePt" dir="t"/>
+            </a:scene3d>
+            <a:sp3d z="57150" extrusionH="63500" contourW="12700" prstMaterial="matte">
+              <a:contourClr>
+                <a:schemeClr val="lt1"/>
+              </a:contourClr>
+            </a:sp3d>
+          </p:spPr>
+          <p:style>
+            <a:lnRef idx="0">
+              <a:scrgbClr r="0" g="0" b="0"/>
+            </a:lnRef>
+            <a:fillRef idx="0">
+              <a:scrgbClr r="0" g="0" b="0"/>
+            </a:fillRef>
+            <a:effectRef idx="0">
+              <a:scrgbClr r="0" g="0" b="0"/>
+            </a:effectRef>
+            <a:fontRef idx="minor"/>
+          </p:style>
+        </p:sp>
+        <p:sp>
+          <p:nvSpPr>
+            <p:cNvPr id="81" name="CustomShape 7"/>
+            <p:cNvSpPr/>
+            <p:nvPr/>
+          </p:nvSpPr>
+          <p:spPr>
+            <a:xfrm rot="10800000">
+              <a:off x="3496680" y="3498840"/>
+              <a:ext cx="5404680" cy="873000"/>
+            </a:xfrm>
+            <a:prstGeom prst="homePlate">
+              <a:avLst>
+                <a:gd name="adj" fmla="val 50000"/>
+              </a:avLst>
+            </a:prstGeom>
+            <a:solidFill>
+              <a:schemeClr val="accent4">
+                <a:hueOff val="0"/>
+                <a:satOff val="0"/>
+                <a:lumOff val="0"/>
+                <a:alphaOff val="0"/>
+              </a:schemeClr>
+            </a:solidFill>
+            <a:ln>
+              <a:noFill/>
+            </a:ln>
+            <a:scene3d>
+              <a:camera prst="orthographicFront"/>
+              <a:lightRig rig="threePt" dir="t"/>
+            </a:scene3d>
+            <a:sp3d extrusionH="381000" contourW="38100" prstMaterial="matte">
+              <a:contourClr>
+                <a:schemeClr val="lt1"/>
+              </a:contourClr>
+            </a:sp3d>
+          </p:spPr>
+          <p:style>
+            <a:lnRef idx="0">
+              <a:scrgbClr r="0" g="0" b="0"/>
+            </a:lnRef>
+            <a:fillRef idx="0">
+              <a:scrgbClr r="0" g="0" b="0"/>
+            </a:fillRef>
+            <a:effectRef idx="0">
+              <a:scrgbClr r="0" g="0" b="0"/>
+            </a:effectRef>
+            <a:fontRef idx="minor"/>
+          </p:style>
+          <p:txBody>
+            <a:bodyPr rot="10800000" lIns="191880" tIns="102960" rIns="385200" bIns="102960" anchor="ctr"/>
+            <a:lstStyle/>
+            <a:p>
+              <a:pPr algn="ctr">
+                <a:lnSpc>
+                  <a:spcPct val="90000"/>
+                </a:lnSpc>
+                <a:spcAft>
+                  <a:spcPts val="944"/>
+                </a:spcAft>
+              </a:pPr>
+              <a:r>
+                <a:rPr lang="fr-FR" sz="2700" b="0" strike="noStrike" spc="-1">
+                  <a:solidFill>
+                    <a:srgbClr val="FFFFFF"/>
+                  </a:solidFill>
+                  <a:latin typeface="Calibri"/>
+                </a:rPr>
+                <a:t>Accélérer les délais</a:t>
+              </a:r>
+              <a:endParaRPr lang="fr-FR" sz="2700" b="0" strike="noStrike" spc="-1">
+                <a:latin typeface="Arial"/>
+              </a:endParaRPr>
+            </a:p>
+          </p:txBody>
+        </p:sp>
+        <p:sp>
+          <p:nvSpPr>
+            <p:cNvPr id="82" name="CustomShape 8"/>
+            <p:cNvSpPr/>
+            <p:nvPr/>
+          </p:nvSpPr>
+          <p:spPr>
+            <a:xfrm>
+              <a:off x="3059640" y="3498120"/>
+              <a:ext cx="873000" cy="873000"/>
+            </a:xfrm>
+            <a:prstGeom prst="ellipse">
+              <a:avLst/>
+            </a:prstGeom>
+            <a:blipFill rotWithShape="0">
+              <a:blip r:embed="rId5"/>
+              <a:stretch>
+                <a:fillRect/>
+              </a:stretch>
+            </a:blipFill>
+            <a:ln>
+              <a:noFill/>
+            </a:ln>
+            <a:scene3d>
+              <a:camera prst="orthographicFront"/>
+              <a:lightRig rig="threePt" dir="t"/>
+            </a:scene3d>
+            <a:sp3d z="57150" extrusionH="63500" contourW="12700" prstMaterial="matte">
+              <a:contourClr>
+                <a:schemeClr val="lt1"/>
+              </a:contourClr>
+            </a:sp3d>
+          </p:spPr>
+          <p:style>
+            <a:lnRef idx="0">
+              <a:scrgbClr r="0" g="0" b="0"/>
+            </a:lnRef>
+            <a:fillRef idx="0">
+              <a:scrgbClr r="0" g="0" b="0"/>
+            </a:fillRef>
+            <a:effectRef idx="0">
+              <a:scrgbClr r="0" g="0" b="0"/>
+            </a:effectRef>
+            <a:fontRef idx="minor"/>
+          </p:style>
+        </p:sp>
+        <p:sp>
+          <p:nvSpPr>
+            <p:cNvPr id="83" name="CustomShape 9"/>
+            <p:cNvSpPr/>
+            <p:nvPr/>
+          </p:nvSpPr>
+          <p:spPr>
+            <a:xfrm rot="10800000">
+              <a:off x="3496680" y="4633200"/>
+              <a:ext cx="5404680" cy="873000"/>
+            </a:xfrm>
+            <a:prstGeom prst="homePlate">
+              <a:avLst>
+                <a:gd name="adj" fmla="val 50000"/>
+              </a:avLst>
+            </a:prstGeom>
+            <a:solidFill>
+              <a:schemeClr val="accent5">
+                <a:hueOff val="0"/>
+                <a:satOff val="0"/>
+                <a:lumOff val="0"/>
+                <a:alphaOff val="0"/>
+              </a:schemeClr>
+            </a:solidFill>
+            <a:ln>
+              <a:noFill/>
+            </a:ln>
+            <a:scene3d>
+              <a:camera prst="orthographicFront"/>
+              <a:lightRig rig="threePt" dir="t"/>
+            </a:scene3d>
+            <a:sp3d extrusionH="381000" contourW="38100" prstMaterial="matte">
+              <a:contourClr>
+                <a:schemeClr val="lt1"/>
+              </a:contourClr>
+            </a:sp3d>
+          </p:spPr>
+          <p:style>
+            <a:lnRef idx="0">
+              <a:scrgbClr r="0" g="0" b="0"/>
+            </a:lnRef>
+            <a:fillRef idx="0">
+              <a:scrgbClr r="0" g="0" b="0"/>
+            </a:fillRef>
+            <a:effectRef idx="0">
+              <a:scrgbClr r="0" g="0" b="0"/>
+            </a:effectRef>
+            <a:fontRef idx="minor"/>
+          </p:style>
+          <p:txBody>
+            <a:bodyPr rot="10800000" lIns="191880" tIns="102960" rIns="385200" bIns="102960" anchor="ctr"/>
+            <a:lstStyle/>
+            <a:p>
+              <a:pPr algn="ctr">
+                <a:lnSpc>
+                  <a:spcPct val="90000"/>
+                </a:lnSpc>
+                <a:spcAft>
+                  <a:spcPts val="944"/>
+                </a:spcAft>
+              </a:pPr>
+              <a:r>
+                <a:rPr lang="fr-FR" sz="2700" b="0" strike="noStrike" spc="-1">
+                  <a:solidFill>
+                    <a:srgbClr val="FFFFFF"/>
+                  </a:solidFill>
+                  <a:latin typeface="Calibri"/>
+                </a:rPr>
+                <a:t>Conception de devis</a:t>
+              </a:r>
+              <a:endParaRPr lang="fr-FR" sz="2700" b="0" strike="noStrike" spc="-1">
+                <a:latin typeface="Arial"/>
+              </a:endParaRPr>
+            </a:p>
+          </p:txBody>
+        </p:sp>
+        <p:sp>
+          <p:nvSpPr>
+            <p:cNvPr id="84" name="CustomShape 10"/>
+            <p:cNvSpPr/>
+            <p:nvPr/>
+          </p:nvSpPr>
+          <p:spPr>
+            <a:xfrm>
+              <a:off x="3059640" y="4632480"/>
+              <a:ext cx="873000" cy="873000"/>
+            </a:xfrm>
+            <a:prstGeom prst="ellipse">
+              <a:avLst/>
+            </a:prstGeom>
+            <a:blipFill rotWithShape="0">
+              <a:blip r:embed="rId6"/>
+              <a:stretch>
+                <a:fillRect/>
+              </a:stretch>
+            </a:blipFill>
+            <a:ln>
+              <a:noFill/>
+            </a:ln>
+            <a:scene3d>
+              <a:camera prst="orthographicFront"/>
+              <a:lightRig rig="threePt" dir="t"/>
+            </a:scene3d>
+            <a:sp3d z="57150" extrusionH="63500" contourW="12700" prstMaterial="matte">
+              <a:contourClr>
+                <a:schemeClr val="lt1"/>
+              </a:contourClr>
+            </a:sp3d>
+          </p:spPr>
+          <p:style>
+            <a:lnRef idx="0">
+              <a:scrgbClr r="0" g="0" b="0"/>
+            </a:lnRef>
+            <a:fillRef idx="0">
+              <a:scrgbClr r="0" g="0" b="0"/>
+            </a:fillRef>
+            <a:effectRef idx="0">
+              <a:scrgbClr r="0" g="0" b="0"/>
+            </a:effectRef>
+            <a:fontRef idx="minor"/>
+          </p:style>
+        </p:sp>
+        <p:sp>
+          <p:nvSpPr>
+            <p:cNvPr id="85" name="CustomShape 11"/>
+            <p:cNvSpPr/>
+            <p:nvPr/>
+          </p:nvSpPr>
+          <p:spPr>
+            <a:xfrm rot="10800000">
+              <a:off x="3496680" y="5767200"/>
+              <a:ext cx="5404680" cy="873000"/>
+            </a:xfrm>
+            <a:prstGeom prst="homePlate">
+              <a:avLst>
+                <a:gd name="adj" fmla="val 50000"/>
+              </a:avLst>
+            </a:prstGeom>
+            <a:solidFill>
+              <a:schemeClr val="accent6">
+                <a:hueOff val="0"/>
+                <a:satOff val="0"/>
+                <a:lumOff val="0"/>
+                <a:alphaOff val="0"/>
+              </a:schemeClr>
+            </a:solidFill>
+            <a:ln>
+              <a:noFill/>
+            </a:ln>
+            <a:scene3d>
+              <a:camera prst="orthographicFront"/>
+              <a:lightRig rig="threePt" dir="t"/>
+            </a:scene3d>
+            <a:sp3d extrusionH="381000" contourW="38100" prstMaterial="matte">
+              <a:contourClr>
+                <a:schemeClr val="lt1"/>
+              </a:contourClr>
+            </a:sp3d>
+          </p:spPr>
+          <p:style>
+            <a:lnRef idx="0">
+              <a:scrgbClr r="0" g="0" b="0"/>
+            </a:lnRef>
+            <a:fillRef idx="0">
+              <a:scrgbClr r="0" g="0" b="0"/>
+            </a:fillRef>
+            <a:effectRef idx="0">
+              <a:scrgbClr r="0" g="0" b="0"/>
+            </a:effectRef>
+            <a:fontRef idx="minor"/>
+          </p:style>
+          <p:txBody>
+            <a:bodyPr rot="10800000" lIns="191880" tIns="102960" rIns="385200" bIns="102960" anchor="ctr"/>
+            <a:lstStyle/>
+            <a:p>
+              <a:pPr algn="ctr">
+                <a:lnSpc>
+                  <a:spcPct val="90000"/>
+                </a:lnSpc>
+                <a:spcAft>
+                  <a:spcPts val="944"/>
+                </a:spcAft>
+              </a:pPr>
+              <a:r>
+                <a:rPr lang="fr-FR" sz="2700" b="0" strike="noStrike" spc="-1">
+                  <a:solidFill>
+                    <a:srgbClr val="FFFFFF"/>
+                  </a:solidFill>
+                  <a:latin typeface="Calibri"/>
+                </a:rPr>
+                <a:t>Modalités de paiement</a:t>
+              </a:r>
+              <a:endParaRPr lang="fr-FR" sz="2700" b="0" strike="noStrike" spc="-1">
+                <a:latin typeface="Arial"/>
+              </a:endParaRPr>
+            </a:p>
+          </p:txBody>
+        </p:sp>
+        <p:sp>
+          <p:nvSpPr>
+            <p:cNvPr id="86" name="CustomShape 12"/>
+            <p:cNvSpPr/>
+            <p:nvPr/>
+          </p:nvSpPr>
+          <p:spPr>
+            <a:xfrm>
+              <a:off x="3059640" y="5766840"/>
+              <a:ext cx="873000" cy="873000"/>
+            </a:xfrm>
+            <a:prstGeom prst="ellipse">
+              <a:avLst/>
+            </a:prstGeom>
+            <a:blipFill rotWithShape="0">
+              <a:blip r:embed="rId7"/>
+              <a:stretch>
+                <a:fillRect/>
+              </a:stretch>
+            </a:blipFill>
+            <a:ln>
+              <a:noFill/>
+            </a:ln>
+            <a:scene3d>
+              <a:camera prst="orthographicFront"/>
+              <a:lightRig rig="threePt" dir="t"/>
+            </a:scene3d>
+            <a:sp3d z="57150" extrusionH="63500" contourW="12700" prstMaterial="matte">
+              <a:contourClr>
+                <a:schemeClr val="lt1"/>
+              </a:contourClr>
+            </a:sp3d>
+          </p:spPr>
+          <p:style>
+            <a:lnRef idx="0">
+              <a:scrgbClr r="0" g="0" b="0"/>
+            </a:lnRef>
+            <a:fillRef idx="0">
+              <a:scrgbClr r="0" g="0" b="0"/>
+            </a:fillRef>
+            <a:effectRef idx="0">
+              <a:scrgbClr r="0" g="0" b="0"/>
+            </a:effectRef>
+            <a:fontRef idx="minor"/>
+          </p:style>
+        </p:sp>
+      </p:grpSp>
+      <p:grpSp>
+        <p:nvGrpSpPr>
+          <p:cNvPr id="87" name="Group 13"/>
+          <p:cNvGrpSpPr/>
+          <p:nvPr/>
+        </p:nvGrpSpPr>
+        <p:grpSpPr>
+          <a:xfrm>
+            <a:off x="0" y="0"/>
+            <a:ext cx="36000" cy="36000"/>
+            <a:chOff x="0" y="0"/>
+            <a:chExt cx="36000" cy="36000"/>
+          </a:xfrm>
+        </p:grpSpPr>
+      </p:grpSp>
+      <p:sp>
+        <p:nvSpPr>
+          <p:cNvPr id="17" name="ZoneTexte 16">
+            <a:extLst>
+              <a:ext uri="{FF2B5EF4-FFF2-40B4-BE49-F238E27FC236}">
+                <a16:creationId xmlns:a16="http://schemas.microsoft.com/office/drawing/2014/main" id="{00D32015-9FA5-45F5-87B6-FF8D82A98E4A}"/>
+              </a:ext>
+            </a:extLst>
+          </p:cNvPr>
+          <p:cNvSpPr txBox="1"/>
+          <p:nvPr/>
+        </p:nvSpPr>
+        <p:spPr>
+          <a:xfrm>
+            <a:off x="11092543" y="6393575"/>
+            <a:ext cx="903514" cy="400110"/>
+          </a:xfrm>
+          <a:prstGeom prst="rect">
+            <a:avLst/>
+          </a:prstGeom>
+          <a:noFill/>
+        </p:spPr>
+        <p:txBody>
+          <a:bodyPr wrap="square" rtlCol="0">
+            <a:spAutoFit/>
+          </a:bodyPr>
+          <a:lstStyle/>
+          <a:p>
+            <a:pPr algn="ctr"/>
+            <a:r>
+              <a:rPr lang="fr-FR" sz="2000" b="1" dirty="0"/>
+              <a:t>5/18</a:t>
+            </a:r>
+          </a:p>
+        </p:txBody>
+      </p:sp>
+    </p:spTree>
+  </p:cSld>
+  <p:clrMapOvr>
+    <a:masterClrMapping/>
+  </p:clrMapOvr>
+  <p:transition spd="slow">
+    <p:push dir="u"/>
+  </p:transition>
+  <p:timing>
+    <p:tnLst>
+      <p:par>
+        <p:cTn id="1" dur="indefinite" restart="never" nodeType="tmRoot">
+          <p:childTnLst>
+            <p:seq>
+              <p:cTn id="2" dur="indefinite" nodeType="mainSeq"/>
+              <p:prevCondLst>
+                <p:cond evt="onPrev" delay="0">
+                  <p:tgtEl>
+                    <p:sldTgt/>
+                  </p:tgtEl>
+                </p:cond>
+              </p:prevCondLst>
+              <p:nextCondLst>
+                <p:cond evt="onNext" delay="0">
+                  <p:tgtEl>
+                    <p:sldTgt/>
+                  </p:tgtEl>
+                </p:cond>
+              </p:nextCondLst>
+            </p:seq>
+          </p:childTnLst>
+        </p:cTn>
+      </p:par>
+    </p:tnLst>
+  </p:timing>
 </p:sld>
 </file>
 
